--- a/Presentations/MIL/CMIL_classification_model_analysis_next_steps.pptx
+++ b/Presentations/MIL/CMIL_classification_model_analysis_next_steps.pptx
@@ -5,14 +5,18 @@
     <p:sldMasterId id="2147483648" r:id="rId1"/>
   </p:sldMasterIdLst>
   <p:notesMasterIdLst>
-    <p:notesMasterId r:id="rId4"/>
+    <p:notesMasterId r:id="rId8"/>
   </p:notesMasterIdLst>
   <p:handoutMasterIdLst>
-    <p:handoutMasterId r:id="rId5"/>
+    <p:handoutMasterId r:id="rId9"/>
   </p:handoutMasterIdLst>
   <p:sldIdLst>
     <p:sldId id="256" r:id="rId2"/>
     <p:sldId id="386" r:id="rId3"/>
+    <p:sldId id="387" r:id="rId4"/>
+    <p:sldId id="388" r:id="rId5"/>
+    <p:sldId id="389" r:id="rId6"/>
+    <p:sldId id="390" r:id="rId7"/>
   </p:sldIdLst>
   <p:sldSz cx="9144000" cy="5143500" type="screen16x9"/>
   <p:notesSz cx="6858000" cy="9144000"/>
@@ -533,7 +537,7 @@
           <a:p>
             <a:fld id="{DE6D1952-4C8C-594A-8D47-CC3EBD31CD69}" type="datetimeFigureOut">
               <a:rPr lang="en-US" smtClean="0"/>
-              <a:t>11/11/2025</a:t>
+              <a:t>11/12/2025</a:t>
             </a:fld>
             <a:endParaRPr lang="en-US"/>
           </a:p>
@@ -699,7 +703,7 @@
           <a:p>
             <a:fld id="{5AE82BA9-193E-D440-8A2C-9653656F2AE3}" type="datetimeFigureOut">
               <a:rPr lang="en-US" smtClean="0"/>
-              <a:t>11/11/2025</a:t>
+              <a:t>11/12/2025</a:t>
             </a:fld>
             <a:endParaRPr lang="en-US"/>
           </a:p>
@@ -1075,6 +1079,438 @@
 </p:notes>
 </file>
 
+<file path=ppt/notesSlides/notesSlide2.xml><?xml version="1.0" encoding="utf-8"?>
+<p:notes xmlns:a="http://schemas.openxmlformats.org/drawingml/2006/main" xmlns:r="http://schemas.openxmlformats.org/officeDocument/2006/relationships" xmlns:p="http://schemas.openxmlformats.org/presentationml/2006/main">
+  <p:cSld>
+    <p:spTree>
+      <p:nvGrpSpPr>
+        <p:cNvPr id="1" name="">
+          <a:extLst>
+            <a:ext uri="{FF2B5EF4-FFF2-40B4-BE49-F238E27FC236}">
+              <a16:creationId xmlns:a16="http://schemas.microsoft.com/office/drawing/2014/main" id="{BB59F578-C62F-8643-7DAB-5745DF86A95A}"/>
+            </a:ext>
+          </a:extLst>
+        </p:cNvPr>
+        <p:cNvGrpSpPr/>
+        <p:nvPr/>
+      </p:nvGrpSpPr>
+      <p:grpSpPr>
+        <a:xfrm>
+          <a:off x="0" y="0"/>
+          <a:ext cx="0" cy="0"/>
+          <a:chOff x="0" y="0"/>
+          <a:chExt cx="0" cy="0"/>
+        </a:xfrm>
+      </p:grpSpPr>
+      <p:sp>
+        <p:nvSpPr>
+          <p:cNvPr id="2" name="Slide Image Placeholder 1">
+            <a:extLst>
+              <a:ext uri="{FF2B5EF4-FFF2-40B4-BE49-F238E27FC236}">
+                <a16:creationId xmlns:a16="http://schemas.microsoft.com/office/drawing/2014/main" id="{B454C94A-9668-43A8-6D57-C6E6C2F89EE7}"/>
+              </a:ext>
+            </a:extLst>
+          </p:cNvPr>
+          <p:cNvSpPr>
+            <a:spLocks noGrp="1" noRot="1" noChangeAspect="1"/>
+          </p:cNvSpPr>
+          <p:nvPr>
+            <p:ph type="sldImg"/>
+          </p:nvPr>
+        </p:nvSpPr>
+        <p:spPr/>
+      </p:sp>
+      <p:sp>
+        <p:nvSpPr>
+          <p:cNvPr id="3" name="Notes Placeholder 2">
+            <a:extLst>
+              <a:ext uri="{FF2B5EF4-FFF2-40B4-BE49-F238E27FC236}">
+                <a16:creationId xmlns:a16="http://schemas.microsoft.com/office/drawing/2014/main" id="{F566D198-7D7C-3C7C-D140-0A4CBDDAD65C}"/>
+              </a:ext>
+            </a:extLst>
+          </p:cNvPr>
+          <p:cNvSpPr>
+            <a:spLocks noGrp="1"/>
+          </p:cNvSpPr>
+          <p:nvPr>
+            <p:ph type="body" idx="1"/>
+          </p:nvPr>
+        </p:nvSpPr>
+        <p:spPr/>
+        <p:txBody>
+          <a:bodyPr/>
+          <a:lstStyle/>
+          <a:p>
+            <a:endParaRPr lang="en-US" dirty="0"/>
+          </a:p>
+        </p:txBody>
+      </p:sp>
+      <p:sp>
+        <p:nvSpPr>
+          <p:cNvPr id="4" name="Slide Number Placeholder 3">
+            <a:extLst>
+              <a:ext uri="{FF2B5EF4-FFF2-40B4-BE49-F238E27FC236}">
+                <a16:creationId xmlns:a16="http://schemas.microsoft.com/office/drawing/2014/main" id="{319E01F6-42F3-EA48-0D5C-2C4920B3516B}"/>
+              </a:ext>
+            </a:extLst>
+          </p:cNvPr>
+          <p:cNvSpPr>
+            <a:spLocks noGrp="1"/>
+          </p:cNvSpPr>
+          <p:nvPr>
+            <p:ph type="sldNum" sz="quarter" idx="5"/>
+          </p:nvPr>
+        </p:nvSpPr>
+        <p:spPr/>
+        <p:txBody>
+          <a:bodyPr/>
+          <a:lstStyle/>
+          <a:p>
+            <a:fld id="{6363C63D-0C1A-0E4C-A0BD-8D65A9542426}" type="slidenum">
+              <a:rPr lang="en-US" smtClean="0"/>
+              <a:t>2</a:t>
+            </a:fld>
+            <a:endParaRPr lang="en-US"/>
+          </a:p>
+        </p:txBody>
+      </p:sp>
+    </p:spTree>
+    <p:extLst>
+      <p:ext uri="{BB962C8B-B14F-4D97-AF65-F5344CB8AC3E}">
+        <p14:creationId xmlns:p14="http://schemas.microsoft.com/office/powerpoint/2010/main" val="2826173779"/>
+      </p:ext>
+    </p:extLst>
+  </p:cSld>
+  <p:clrMapOvr>
+    <a:masterClrMapping/>
+  </p:clrMapOvr>
+</p:notes>
+</file>
+
+<file path=ppt/notesSlides/notesSlide3.xml><?xml version="1.0" encoding="utf-8"?>
+<p:notes xmlns:a="http://schemas.openxmlformats.org/drawingml/2006/main" xmlns:r="http://schemas.openxmlformats.org/officeDocument/2006/relationships" xmlns:p="http://schemas.openxmlformats.org/presentationml/2006/main">
+  <p:cSld>
+    <p:spTree>
+      <p:nvGrpSpPr>
+        <p:cNvPr id="1" name="">
+          <a:extLst>
+            <a:ext uri="{FF2B5EF4-FFF2-40B4-BE49-F238E27FC236}">
+              <a16:creationId xmlns:a16="http://schemas.microsoft.com/office/drawing/2014/main" id="{2F934CFF-E67C-D229-57E4-1465B723F369}"/>
+            </a:ext>
+          </a:extLst>
+        </p:cNvPr>
+        <p:cNvGrpSpPr/>
+        <p:nvPr/>
+      </p:nvGrpSpPr>
+      <p:grpSpPr>
+        <a:xfrm>
+          <a:off x="0" y="0"/>
+          <a:ext cx="0" cy="0"/>
+          <a:chOff x="0" y="0"/>
+          <a:chExt cx="0" cy="0"/>
+        </a:xfrm>
+      </p:grpSpPr>
+      <p:sp>
+        <p:nvSpPr>
+          <p:cNvPr id="2" name="Slide Image Placeholder 1">
+            <a:extLst>
+              <a:ext uri="{FF2B5EF4-FFF2-40B4-BE49-F238E27FC236}">
+                <a16:creationId xmlns:a16="http://schemas.microsoft.com/office/drawing/2014/main" id="{280B1227-4A20-E88B-5D84-4A9E2F85123B}"/>
+              </a:ext>
+            </a:extLst>
+          </p:cNvPr>
+          <p:cNvSpPr>
+            <a:spLocks noGrp="1" noRot="1" noChangeAspect="1"/>
+          </p:cNvSpPr>
+          <p:nvPr>
+            <p:ph type="sldImg"/>
+          </p:nvPr>
+        </p:nvSpPr>
+        <p:spPr/>
+      </p:sp>
+      <p:sp>
+        <p:nvSpPr>
+          <p:cNvPr id="3" name="Notes Placeholder 2">
+            <a:extLst>
+              <a:ext uri="{FF2B5EF4-FFF2-40B4-BE49-F238E27FC236}">
+                <a16:creationId xmlns:a16="http://schemas.microsoft.com/office/drawing/2014/main" id="{DED1394C-547B-EE6F-7CB7-172E234FF3E5}"/>
+              </a:ext>
+            </a:extLst>
+          </p:cNvPr>
+          <p:cNvSpPr>
+            <a:spLocks noGrp="1"/>
+          </p:cNvSpPr>
+          <p:nvPr>
+            <p:ph type="body" idx="1"/>
+          </p:nvPr>
+        </p:nvSpPr>
+        <p:spPr/>
+        <p:txBody>
+          <a:bodyPr/>
+          <a:lstStyle/>
+          <a:p>
+            <a:endParaRPr lang="en-US" dirty="0"/>
+          </a:p>
+        </p:txBody>
+      </p:sp>
+      <p:sp>
+        <p:nvSpPr>
+          <p:cNvPr id="4" name="Slide Number Placeholder 3">
+            <a:extLst>
+              <a:ext uri="{FF2B5EF4-FFF2-40B4-BE49-F238E27FC236}">
+                <a16:creationId xmlns:a16="http://schemas.microsoft.com/office/drawing/2014/main" id="{85B09124-1DFB-FB35-6699-DE7E35F28D9D}"/>
+              </a:ext>
+            </a:extLst>
+          </p:cNvPr>
+          <p:cNvSpPr>
+            <a:spLocks noGrp="1"/>
+          </p:cNvSpPr>
+          <p:nvPr>
+            <p:ph type="sldNum" sz="quarter" idx="5"/>
+          </p:nvPr>
+        </p:nvSpPr>
+        <p:spPr/>
+        <p:txBody>
+          <a:bodyPr/>
+          <a:lstStyle/>
+          <a:p>
+            <a:fld id="{6363C63D-0C1A-0E4C-A0BD-8D65A9542426}" type="slidenum">
+              <a:rPr lang="en-US" smtClean="0"/>
+              <a:t>3</a:t>
+            </a:fld>
+            <a:endParaRPr lang="en-US"/>
+          </a:p>
+        </p:txBody>
+      </p:sp>
+    </p:spTree>
+    <p:extLst>
+      <p:ext uri="{BB962C8B-B14F-4D97-AF65-F5344CB8AC3E}">
+        <p14:creationId xmlns:p14="http://schemas.microsoft.com/office/powerpoint/2010/main" val="4056768040"/>
+      </p:ext>
+    </p:extLst>
+  </p:cSld>
+  <p:clrMapOvr>
+    <a:masterClrMapping/>
+  </p:clrMapOvr>
+</p:notes>
+</file>
+
+<file path=ppt/notesSlides/notesSlide4.xml><?xml version="1.0" encoding="utf-8"?>
+<p:notes xmlns:a="http://schemas.openxmlformats.org/drawingml/2006/main" xmlns:r="http://schemas.openxmlformats.org/officeDocument/2006/relationships" xmlns:p="http://schemas.openxmlformats.org/presentationml/2006/main">
+  <p:cSld>
+    <p:spTree>
+      <p:nvGrpSpPr>
+        <p:cNvPr id="1" name="">
+          <a:extLst>
+            <a:ext uri="{FF2B5EF4-FFF2-40B4-BE49-F238E27FC236}">
+              <a16:creationId xmlns:a16="http://schemas.microsoft.com/office/drawing/2014/main" id="{C26AD0D8-5F06-F69C-B793-39EC326DAA8F}"/>
+            </a:ext>
+          </a:extLst>
+        </p:cNvPr>
+        <p:cNvGrpSpPr/>
+        <p:nvPr/>
+      </p:nvGrpSpPr>
+      <p:grpSpPr>
+        <a:xfrm>
+          <a:off x="0" y="0"/>
+          <a:ext cx="0" cy="0"/>
+          <a:chOff x="0" y="0"/>
+          <a:chExt cx="0" cy="0"/>
+        </a:xfrm>
+      </p:grpSpPr>
+      <p:sp>
+        <p:nvSpPr>
+          <p:cNvPr id="2" name="Slide Image Placeholder 1">
+            <a:extLst>
+              <a:ext uri="{FF2B5EF4-FFF2-40B4-BE49-F238E27FC236}">
+                <a16:creationId xmlns:a16="http://schemas.microsoft.com/office/drawing/2014/main" id="{8131FC5B-F283-CE53-B434-D8068B56ACC1}"/>
+              </a:ext>
+            </a:extLst>
+          </p:cNvPr>
+          <p:cNvSpPr>
+            <a:spLocks noGrp="1" noRot="1" noChangeAspect="1"/>
+          </p:cNvSpPr>
+          <p:nvPr>
+            <p:ph type="sldImg"/>
+          </p:nvPr>
+        </p:nvSpPr>
+        <p:spPr/>
+      </p:sp>
+      <p:sp>
+        <p:nvSpPr>
+          <p:cNvPr id="3" name="Notes Placeholder 2">
+            <a:extLst>
+              <a:ext uri="{FF2B5EF4-FFF2-40B4-BE49-F238E27FC236}">
+                <a16:creationId xmlns:a16="http://schemas.microsoft.com/office/drawing/2014/main" id="{47C5C20D-C267-198F-8B2F-5C8989954CEE}"/>
+              </a:ext>
+            </a:extLst>
+          </p:cNvPr>
+          <p:cNvSpPr>
+            <a:spLocks noGrp="1"/>
+          </p:cNvSpPr>
+          <p:nvPr>
+            <p:ph type="body" idx="1"/>
+          </p:nvPr>
+        </p:nvSpPr>
+        <p:spPr/>
+        <p:txBody>
+          <a:bodyPr/>
+          <a:lstStyle/>
+          <a:p>
+            <a:endParaRPr lang="en-US" dirty="0"/>
+          </a:p>
+        </p:txBody>
+      </p:sp>
+      <p:sp>
+        <p:nvSpPr>
+          <p:cNvPr id="4" name="Slide Number Placeholder 3">
+            <a:extLst>
+              <a:ext uri="{FF2B5EF4-FFF2-40B4-BE49-F238E27FC236}">
+                <a16:creationId xmlns:a16="http://schemas.microsoft.com/office/drawing/2014/main" id="{46A04458-51A8-EF24-84D9-ADA621801BD4}"/>
+              </a:ext>
+            </a:extLst>
+          </p:cNvPr>
+          <p:cNvSpPr>
+            <a:spLocks noGrp="1"/>
+          </p:cNvSpPr>
+          <p:nvPr>
+            <p:ph type="sldNum" sz="quarter" idx="5"/>
+          </p:nvPr>
+        </p:nvSpPr>
+        <p:spPr/>
+        <p:txBody>
+          <a:bodyPr/>
+          <a:lstStyle/>
+          <a:p>
+            <a:fld id="{6363C63D-0C1A-0E4C-A0BD-8D65A9542426}" type="slidenum">
+              <a:rPr lang="en-US" smtClean="0"/>
+              <a:t>4</a:t>
+            </a:fld>
+            <a:endParaRPr lang="en-US"/>
+          </a:p>
+        </p:txBody>
+      </p:sp>
+    </p:spTree>
+    <p:extLst>
+      <p:ext uri="{BB962C8B-B14F-4D97-AF65-F5344CB8AC3E}">
+        <p14:creationId xmlns:p14="http://schemas.microsoft.com/office/powerpoint/2010/main" val="3710455312"/>
+      </p:ext>
+    </p:extLst>
+  </p:cSld>
+  <p:clrMapOvr>
+    <a:masterClrMapping/>
+  </p:clrMapOvr>
+</p:notes>
+</file>
+
+<file path=ppt/notesSlides/notesSlide5.xml><?xml version="1.0" encoding="utf-8"?>
+<p:notes xmlns:a="http://schemas.openxmlformats.org/drawingml/2006/main" xmlns:r="http://schemas.openxmlformats.org/officeDocument/2006/relationships" xmlns:p="http://schemas.openxmlformats.org/presentationml/2006/main">
+  <p:cSld>
+    <p:spTree>
+      <p:nvGrpSpPr>
+        <p:cNvPr id="1" name="">
+          <a:extLst>
+            <a:ext uri="{FF2B5EF4-FFF2-40B4-BE49-F238E27FC236}">
+              <a16:creationId xmlns:a16="http://schemas.microsoft.com/office/drawing/2014/main" id="{6D7AB74B-5A2B-77B0-41AF-E8FC35CC545D}"/>
+            </a:ext>
+          </a:extLst>
+        </p:cNvPr>
+        <p:cNvGrpSpPr/>
+        <p:nvPr/>
+      </p:nvGrpSpPr>
+      <p:grpSpPr>
+        <a:xfrm>
+          <a:off x="0" y="0"/>
+          <a:ext cx="0" cy="0"/>
+          <a:chOff x="0" y="0"/>
+          <a:chExt cx="0" cy="0"/>
+        </a:xfrm>
+      </p:grpSpPr>
+      <p:sp>
+        <p:nvSpPr>
+          <p:cNvPr id="2" name="Slide Image Placeholder 1">
+            <a:extLst>
+              <a:ext uri="{FF2B5EF4-FFF2-40B4-BE49-F238E27FC236}">
+                <a16:creationId xmlns:a16="http://schemas.microsoft.com/office/drawing/2014/main" id="{FB6AF5EE-A37F-04F2-ADC3-5AA65AC52B4F}"/>
+              </a:ext>
+            </a:extLst>
+          </p:cNvPr>
+          <p:cNvSpPr>
+            <a:spLocks noGrp="1" noRot="1" noChangeAspect="1"/>
+          </p:cNvSpPr>
+          <p:nvPr>
+            <p:ph type="sldImg"/>
+          </p:nvPr>
+        </p:nvSpPr>
+        <p:spPr/>
+      </p:sp>
+      <p:sp>
+        <p:nvSpPr>
+          <p:cNvPr id="3" name="Notes Placeholder 2">
+            <a:extLst>
+              <a:ext uri="{FF2B5EF4-FFF2-40B4-BE49-F238E27FC236}">
+                <a16:creationId xmlns:a16="http://schemas.microsoft.com/office/drawing/2014/main" id="{B7775A95-4668-A652-DBF8-89E13F3EFDC1}"/>
+              </a:ext>
+            </a:extLst>
+          </p:cNvPr>
+          <p:cNvSpPr>
+            <a:spLocks noGrp="1"/>
+          </p:cNvSpPr>
+          <p:nvPr>
+            <p:ph type="body" idx="1"/>
+          </p:nvPr>
+        </p:nvSpPr>
+        <p:spPr/>
+        <p:txBody>
+          <a:bodyPr/>
+          <a:lstStyle/>
+          <a:p>
+            <a:endParaRPr lang="en-US" dirty="0"/>
+          </a:p>
+        </p:txBody>
+      </p:sp>
+      <p:sp>
+        <p:nvSpPr>
+          <p:cNvPr id="4" name="Slide Number Placeholder 3">
+            <a:extLst>
+              <a:ext uri="{FF2B5EF4-FFF2-40B4-BE49-F238E27FC236}">
+                <a16:creationId xmlns:a16="http://schemas.microsoft.com/office/drawing/2014/main" id="{CF563EB0-055F-25E1-CE3E-B2385EBE7538}"/>
+              </a:ext>
+            </a:extLst>
+          </p:cNvPr>
+          <p:cNvSpPr>
+            <a:spLocks noGrp="1"/>
+          </p:cNvSpPr>
+          <p:nvPr>
+            <p:ph type="sldNum" sz="quarter" idx="5"/>
+          </p:nvPr>
+        </p:nvSpPr>
+        <p:spPr/>
+        <p:txBody>
+          <a:bodyPr/>
+          <a:lstStyle/>
+          <a:p>
+            <a:fld id="{6363C63D-0C1A-0E4C-A0BD-8D65A9542426}" type="slidenum">
+              <a:rPr lang="en-US" smtClean="0"/>
+              <a:t>5</a:t>
+            </a:fld>
+            <a:endParaRPr lang="en-US"/>
+          </a:p>
+        </p:txBody>
+      </p:sp>
+    </p:spTree>
+    <p:extLst>
+      <p:ext uri="{BB962C8B-B14F-4D97-AF65-F5344CB8AC3E}">
+        <p14:creationId xmlns:p14="http://schemas.microsoft.com/office/powerpoint/2010/main" val="2293323619"/>
+      </p:ext>
+    </p:extLst>
+  </p:cSld>
+  <p:clrMapOvr>
+    <a:masterClrMapping/>
+  </p:clrMapOvr>
+</p:notes>
+</file>
+
 <file path=ppt/slideLayouts/slideLayout1.xml><?xml version="1.0" encoding="utf-8"?>
 <p:sldLayout xmlns:a="http://schemas.openxmlformats.org/drawingml/2006/main" xmlns:r="http://schemas.openxmlformats.org/officeDocument/2006/relationships" xmlns:p="http://schemas.openxmlformats.org/presentationml/2006/main" preserve="1">
   <p:cSld name="Separator Page">
@@ -1415,7 +1851,7 @@
             <a:fld id="{B362BA78-8688-C546-A03A-2A39F84C0B58}" type="datetime1">
               <a:rPr lang="en-US" smtClean="0"/>
               <a:pPr/>
-              <a:t>11/11/2025</a:t>
+              <a:t>11/12/2025</a:t>
             </a:fld>
             <a:endParaRPr lang="en-US"/>
           </a:p>
@@ -1635,7 +2071,7 @@
             <a:fld id="{EF5B9135-15EF-DE46-84CC-16626B0FAF7F}" type="datetime1">
               <a:rPr lang="en-US" smtClean="0"/>
               <a:pPr/>
-              <a:t>11/11/2025</a:t>
+              <a:t>11/12/2025</a:t>
             </a:fld>
             <a:endParaRPr lang="en-US"/>
           </a:p>
@@ -1883,7 +2319,7 @@
           <a:p>
             <a:fld id="{99477ADD-011F-3541-9724-9C7FC92455D5}" type="datetime1">
               <a:rPr lang="en-US" smtClean="0"/>
-              <a:t>11/11/2025</a:t>
+              <a:t>11/12/2025</a:t>
             </a:fld>
             <a:endParaRPr lang="en-US"/>
           </a:p>
@@ -1997,7 +2433,7 @@
             <a:fld id="{D3421027-4EC0-9C48-8CFB-B8A3104CB056}" type="datetime1">
               <a:rPr lang="en-US" smtClean="0"/>
               <a:pPr/>
-              <a:t>11/11/2025</a:t>
+              <a:t>11/12/2025</a:t>
             </a:fld>
             <a:endParaRPr lang="en-US"/>
           </a:p>
@@ -2273,7 +2709,7 @@
           <a:p>
             <a:fld id="{D98C176C-065F-124D-AAA4-94F2B7A2EC7C}" type="datetime1">
               <a:rPr lang="en-US" smtClean="0"/>
-              <a:t>11/11/2025</a:t>
+              <a:t>11/12/2025</a:t>
             </a:fld>
             <a:endParaRPr lang="en-US"/>
           </a:p>
@@ -2495,7 +2931,7 @@
             <a:fld id="{B9AB8213-A564-3C44-8CA0-968996562138}" type="datetime1">
               <a:rPr lang="en-US" smtClean="0"/>
               <a:pPr/>
-              <a:t>11/11/2025</a:t>
+              <a:t>11/12/2025</a:t>
             </a:fld>
             <a:endParaRPr lang="en-US"/>
           </a:p>
@@ -2766,7 +3202,7 @@
             <a:fld id="{0A83DA12-03A5-114A-ABAE-78CD6BB6AC19}" type="datetime1">
               <a:rPr lang="en-US" smtClean="0"/>
               <a:pPr/>
-              <a:t>11/11/2025</a:t>
+              <a:t>11/12/2025</a:t>
             </a:fld>
             <a:endParaRPr lang="en-US"/>
           </a:p>
@@ -3098,7 +3534,7 @@
             <a:fld id="{1FFF386F-14E4-954A-9EC2-E277FFD66D49}" type="datetime1">
               <a:rPr lang="en-US" smtClean="0"/>
               <a:pPr/>
-              <a:t>11/11/2025</a:t>
+              <a:t>11/12/2025</a:t>
             </a:fld>
             <a:endParaRPr lang="en-US"/>
           </a:p>
@@ -3568,7 +4004,7 @@
             <a:fld id="{D8FFCF06-3344-8345-BEA6-DDAEFCC6ECCE}" type="datetime1">
               <a:rPr lang="en-US" smtClean="0"/>
               <a:pPr/>
-              <a:t>11/11/2025</a:t>
+              <a:t>11/12/2025</a:t>
             </a:fld>
             <a:endParaRPr lang="en-US"/>
           </a:p>
@@ -3711,7 +4147,7 @@
             <a:fld id="{84C6D879-35D4-554E-9D6D-93E8130AA922}" type="datetime1">
               <a:rPr lang="en-US" smtClean="0"/>
               <a:pPr/>
-              <a:t>11/11/2025</a:t>
+              <a:t>11/12/2025</a:t>
             </a:fld>
             <a:endParaRPr lang="en-US"/>
           </a:p>
@@ -4021,7 +4457,7 @@
             <a:fld id="{AB182AE3-760A-8E44-AB65-03A533386DFC}" type="datetime1">
               <a:rPr lang="en-US" smtClean="0"/>
               <a:pPr/>
-              <a:t>11/11/2025</a:t>
+              <a:t>11/12/2025</a:t>
             </a:fld>
             <a:endParaRPr lang="en-US"/>
           </a:p>
@@ -4277,7 +4713,7 @@
           <a:p>
             <a:fld id="{D98C176C-065F-124D-AAA4-94F2B7A2EC7C}" type="datetime1">
               <a:rPr lang="en-US" smtClean="0"/>
-              <a:t>11/11/2025</a:t>
+              <a:t>11/12/2025</a:t>
             </a:fld>
             <a:endParaRPr lang="en-US" dirty="0"/>
           </a:p>
@@ -5150,19 +5586,8 @@
                 <a:latin typeface="Times New Roman" panose="02020603050405020304" pitchFamily="18" charset="0"/>
                 <a:cs typeface="Times New Roman" panose="02020603050405020304" pitchFamily="18" charset="0"/>
               </a:rPr>
-              <a:t>, EfficientNetb3</a:t>
-            </a:r>
-            <a:r>
-              <a:rPr lang="en-US" sz="1400">
-                <a:latin typeface="Times New Roman" panose="02020603050405020304" pitchFamily="18" charset="0"/>
-                <a:cs typeface="Times New Roman" panose="02020603050405020304" pitchFamily="18" charset="0"/>
-              </a:rPr>
-              <a:t>, etc.)</a:t>
-            </a:r>
-            <a:endParaRPr lang="en-US" sz="1400" dirty="0">
-              <a:latin typeface="Times New Roman" panose="02020603050405020304" pitchFamily="18" charset="0"/>
-              <a:cs typeface="Times New Roman" panose="02020603050405020304" pitchFamily="18" charset="0"/>
-            </a:endParaRPr>
+              <a:t>, EfficientNetb3, etc.)</a:t>
+            </a:r>
           </a:p>
         </p:txBody>
       </p:sp>
@@ -5780,6 +6205,4012 @@
                                           <p:spTgt spid="2">
                                             <p:txEl>
                                               <p:pRg st="9" end="9"/>
+                                            </p:txEl>
+                                          </p:spTgt>
+                                        </p:tgtEl>
+                                      </p:cBhvr>
+                                    </p:animEffect>
+                                  </p:childTnLst>
+                                </p:cTn>
+                              </p:par>
+                            </p:childTnLst>
+                          </p:cTn>
+                        </p:par>
+                      </p:childTnLst>
+                    </p:cTn>
+                  </p:par>
+                </p:childTnLst>
+              </p:cTn>
+              <p:prevCondLst>
+                <p:cond evt="onPrev" delay="0">
+                  <p:tgtEl>
+                    <p:sldTgt/>
+                  </p:tgtEl>
+                </p:cond>
+              </p:prevCondLst>
+              <p:nextCondLst>
+                <p:cond evt="onNext" delay="0">
+                  <p:tgtEl>
+                    <p:sldTgt/>
+                  </p:tgtEl>
+                </p:cond>
+              </p:nextCondLst>
+            </p:seq>
+          </p:childTnLst>
+        </p:cTn>
+      </p:par>
+    </p:tnLst>
+  </p:timing>
+</p:sld>
+</file>
+
+<file path=ppt/slides/slide3.xml><?xml version="1.0" encoding="utf-8"?>
+<p:sld xmlns:a="http://schemas.openxmlformats.org/drawingml/2006/main" xmlns:r="http://schemas.openxmlformats.org/officeDocument/2006/relationships" xmlns:p="http://schemas.openxmlformats.org/presentationml/2006/main">
+  <p:cSld>
+    <p:spTree>
+      <p:nvGrpSpPr>
+        <p:cNvPr id="1" name="">
+          <a:extLst>
+            <a:ext uri="{FF2B5EF4-FFF2-40B4-BE49-F238E27FC236}">
+              <a16:creationId xmlns:a16="http://schemas.microsoft.com/office/drawing/2014/main" id="{DE7925A8-9638-1943-85C4-61632CF6C192}"/>
+            </a:ext>
+          </a:extLst>
+        </p:cNvPr>
+        <p:cNvGrpSpPr/>
+        <p:nvPr/>
+      </p:nvGrpSpPr>
+      <p:grpSpPr>
+        <a:xfrm>
+          <a:off x="0" y="0"/>
+          <a:ext cx="0" cy="0"/>
+          <a:chOff x="0" y="0"/>
+          <a:chExt cx="0" cy="0"/>
+        </a:xfrm>
+      </p:grpSpPr>
+      <p:sp>
+        <p:nvSpPr>
+          <p:cNvPr id="4" name="Slide Number Placeholder 3">
+            <a:extLst>
+              <a:ext uri="{FF2B5EF4-FFF2-40B4-BE49-F238E27FC236}">
+                <a16:creationId xmlns:a16="http://schemas.microsoft.com/office/drawing/2014/main" id="{B638C729-6A63-3A2B-FD30-7E6EBD58C237}"/>
+              </a:ext>
+            </a:extLst>
+          </p:cNvPr>
+          <p:cNvSpPr>
+            <a:spLocks noGrp="1"/>
+          </p:cNvSpPr>
+          <p:nvPr>
+            <p:ph type="sldNum" sz="quarter" idx="12"/>
+          </p:nvPr>
+        </p:nvSpPr>
+        <p:spPr/>
+        <p:txBody>
+          <a:bodyPr/>
+          <a:lstStyle/>
+          <a:p>
+            <a:fld id="{106E12CD-FCB1-464E-A775-0B83FDDACE03}" type="slidenum">
+              <a:rPr lang="en-US" smtClean="0"/>
+              <a:pPr/>
+              <a:t>2</a:t>
+            </a:fld>
+            <a:endParaRPr lang="en-US" dirty="0"/>
+          </a:p>
+        </p:txBody>
+      </p:sp>
+      <p:sp>
+        <p:nvSpPr>
+          <p:cNvPr id="5" name="Title 1">
+            <a:extLst>
+              <a:ext uri="{FF2B5EF4-FFF2-40B4-BE49-F238E27FC236}">
+                <a16:creationId xmlns:a16="http://schemas.microsoft.com/office/drawing/2014/main" id="{9191E5B4-AD9C-5E96-C974-35044A65DF5C}"/>
+              </a:ext>
+            </a:extLst>
+          </p:cNvPr>
+          <p:cNvSpPr>
+            <a:spLocks noGrp="1"/>
+          </p:cNvSpPr>
+          <p:nvPr>
+            <p:ph type="ctrTitle"/>
+          </p:nvPr>
+        </p:nvSpPr>
+        <p:spPr>
+          <a:xfrm>
+            <a:off x="570677" y="223723"/>
+            <a:ext cx="7772400" cy="808701"/>
+          </a:xfrm>
+        </p:spPr>
+        <p:txBody>
+          <a:bodyPr>
+            <a:normAutofit/>
+          </a:bodyPr>
+          <a:lstStyle/>
+          <a:p>
+            <a:pPr algn="l"/>
+            <a:r>
+              <a:rPr lang="en-US" sz="3600" dirty="0">
+                <a:latin typeface="Times New Roman" panose="02020603050405020304" pitchFamily="18" charset="0"/>
+                <a:cs typeface="Times New Roman" panose="02020603050405020304" pitchFamily="18" charset="0"/>
+              </a:rPr>
+              <a:t>Post modeling analysis / next steps</a:t>
+            </a:r>
+          </a:p>
+        </p:txBody>
+      </p:sp>
+      <p:sp>
+        <p:nvSpPr>
+          <p:cNvPr id="2" name="TextBox 1">
+            <a:extLst>
+              <a:ext uri="{FF2B5EF4-FFF2-40B4-BE49-F238E27FC236}">
+                <a16:creationId xmlns:a16="http://schemas.microsoft.com/office/drawing/2014/main" id="{089675A9-3195-FF3C-BAB2-21700AB9A795}"/>
+              </a:ext>
+            </a:extLst>
+          </p:cNvPr>
+          <p:cNvSpPr txBox="1"/>
+          <p:nvPr/>
+        </p:nvSpPr>
+        <p:spPr>
+          <a:xfrm>
+            <a:off x="491127" y="1109731"/>
+            <a:ext cx="8116511" cy="3417730"/>
+          </a:xfrm>
+          <a:prstGeom prst="rect">
+            <a:avLst/>
+          </a:prstGeom>
+          <a:noFill/>
+        </p:spPr>
+        <p:txBody>
+          <a:bodyPr wrap="square" rtlCol="0">
+            <a:spAutoFit/>
+          </a:bodyPr>
+          <a:lstStyle/>
+          <a:p>
+            <a:pPr marL="342900" indent="-342900" algn="just">
+              <a:lnSpc>
+                <a:spcPts val="2000"/>
+              </a:lnSpc>
+              <a:buAutoNum type="arabicPeriod"/>
+            </a:pPr>
+            <a:r>
+              <a:rPr lang="en-US" sz="1200" dirty="0">
+                <a:latin typeface="Times New Roman" panose="02020603050405020304" pitchFamily="18" charset="0"/>
+                <a:cs typeface="Times New Roman" panose="02020603050405020304" pitchFamily="18" charset="0"/>
+              </a:rPr>
+              <a:t>Using per slice cap of 500? - check</a:t>
+            </a:r>
+          </a:p>
+          <a:p>
+            <a:pPr marL="342900" indent="-342900" algn="just">
+              <a:lnSpc>
+                <a:spcPts val="2000"/>
+              </a:lnSpc>
+              <a:buAutoNum type="arabicPeriod"/>
+            </a:pPr>
+            <a:r>
+              <a:rPr lang="en-US" sz="1200" dirty="0">
+                <a:latin typeface="Times New Roman" panose="02020603050405020304" pitchFamily="18" charset="0"/>
+                <a:cs typeface="Times New Roman" panose="02020603050405020304" pitchFamily="18" charset="0"/>
+              </a:rPr>
+              <a:t>Attention top n 8?</a:t>
+            </a:r>
+          </a:p>
+          <a:p>
+            <a:pPr marL="342900" indent="-342900" algn="just">
+              <a:lnSpc>
+                <a:spcPts val="2000"/>
+              </a:lnSpc>
+              <a:buAutoNum type="arabicPeriod"/>
+            </a:pPr>
+            <a:r>
+              <a:rPr lang="en-US" sz="1200" dirty="0">
+                <a:latin typeface="Times New Roman" panose="02020603050405020304" pitchFamily="18" charset="0"/>
+                <a:cs typeface="Times New Roman" panose="02020603050405020304" pitchFamily="18" charset="0"/>
+              </a:rPr>
+              <a:t>Max slices per stain = 5? - check</a:t>
+            </a:r>
+          </a:p>
+          <a:p>
+            <a:pPr marL="342900" indent="-342900" algn="just">
+              <a:lnSpc>
+                <a:spcPts val="2000"/>
+              </a:lnSpc>
+              <a:buAutoNum type="arabicPeriod"/>
+            </a:pPr>
+            <a:r>
+              <a:rPr lang="en-US" sz="1200" dirty="0">
+                <a:latin typeface="Times New Roman" panose="02020603050405020304" pitchFamily="18" charset="0"/>
+                <a:cs typeface="Times New Roman" panose="02020603050405020304" pitchFamily="18" charset="0"/>
+              </a:rPr>
+              <a:t>Remove low attention patches, after every ‘n’ epochs</a:t>
+            </a:r>
+          </a:p>
+          <a:p>
+            <a:pPr marL="342900" indent="-342900" algn="just">
+              <a:lnSpc>
+                <a:spcPts val="2000"/>
+              </a:lnSpc>
+              <a:buAutoNum type="arabicPeriod"/>
+            </a:pPr>
+            <a:r>
+              <a:rPr lang="en-US" sz="1200" dirty="0">
+                <a:latin typeface="Times New Roman" panose="02020603050405020304" pitchFamily="18" charset="0"/>
+                <a:cs typeface="Times New Roman" panose="02020603050405020304" pitchFamily="18" charset="0"/>
+              </a:rPr>
+              <a:t>Attention for patches is calculated for slice level, then why are there only sox10 patches with low attention?</a:t>
+            </a:r>
+          </a:p>
+          <a:p>
+            <a:pPr marL="342900" indent="-342900" algn="just">
+              <a:lnSpc>
+                <a:spcPts val="2000"/>
+              </a:lnSpc>
+              <a:buAutoNum type="arabicPeriod"/>
+            </a:pPr>
+            <a:r>
+              <a:rPr lang="en-US" sz="1200" dirty="0">
+                <a:latin typeface="Times New Roman" panose="02020603050405020304" pitchFamily="18" charset="0"/>
+                <a:cs typeface="Times New Roman" panose="02020603050405020304" pitchFamily="18" charset="0"/>
+              </a:rPr>
+              <a:t>Plot </a:t>
+            </a:r>
+            <a:r>
+              <a:rPr lang="en-US" sz="1200" dirty="0" err="1">
+                <a:latin typeface="Times New Roman" panose="02020603050405020304" pitchFamily="18" charset="0"/>
+                <a:cs typeface="Times New Roman" panose="02020603050405020304" pitchFamily="18" charset="0"/>
+              </a:rPr>
+              <a:t>patch_size</a:t>
+            </a:r>
+            <a:r>
+              <a:rPr lang="en-US" sz="1200" dirty="0">
+                <a:latin typeface="Times New Roman" panose="02020603050405020304" pitchFamily="18" charset="0"/>
+                <a:cs typeface="Times New Roman" panose="02020603050405020304" pitchFamily="18" charset="0"/>
+              </a:rPr>
+              <a:t> vs attention</a:t>
+            </a:r>
+          </a:p>
+          <a:p>
+            <a:pPr marL="342900" indent="-342900" algn="just">
+              <a:lnSpc>
+                <a:spcPts val="2000"/>
+              </a:lnSpc>
+              <a:buAutoNum type="arabicPeriod"/>
+            </a:pPr>
+            <a:r>
+              <a:rPr lang="en-US" sz="1200" b="1" dirty="0">
+                <a:latin typeface="Times New Roman" panose="02020603050405020304" pitchFamily="18" charset="0"/>
+                <a:cs typeface="Times New Roman" panose="02020603050405020304" pitchFamily="18" charset="0"/>
+              </a:rPr>
+              <a:t>Identify regions of high attention </a:t>
+            </a:r>
+            <a:r>
+              <a:rPr lang="en-US" sz="1200" dirty="0">
+                <a:latin typeface="Times New Roman" panose="02020603050405020304" pitchFamily="18" charset="0"/>
+                <a:cs typeface="Times New Roman" panose="02020603050405020304" pitchFamily="18" charset="0"/>
+              </a:rPr>
+              <a:t>– possible with the patch suffix, are they spread out, or spread across the slice – plotting attention vs patch suffix</a:t>
+            </a:r>
+          </a:p>
+          <a:p>
+            <a:pPr marL="342900" indent="-342900" algn="just">
+              <a:lnSpc>
+                <a:spcPts val="2000"/>
+              </a:lnSpc>
+              <a:buAutoNum type="arabicPeriod"/>
+            </a:pPr>
+            <a:r>
+              <a:rPr lang="en-US" sz="1200" dirty="0">
+                <a:latin typeface="Times New Roman" panose="02020603050405020304" pitchFamily="18" charset="0"/>
+                <a:cs typeface="Times New Roman" panose="02020603050405020304" pitchFamily="18" charset="0"/>
+              </a:rPr>
+              <a:t>Five test datasets needed to test all benign cases at least once – get the best possible and worst possible recall</a:t>
+            </a:r>
+          </a:p>
+          <a:p>
+            <a:pPr marL="342900" indent="-342900" algn="just">
+              <a:lnSpc>
+                <a:spcPts val="2000"/>
+              </a:lnSpc>
+              <a:buAutoNum type="arabicPeriod"/>
+            </a:pPr>
+            <a:r>
+              <a:rPr lang="en-US" sz="1200" dirty="0">
+                <a:latin typeface="Times New Roman" panose="02020603050405020304" pitchFamily="18" charset="0"/>
+                <a:cs typeface="Times New Roman" panose="02020603050405020304" pitchFamily="18" charset="0"/>
+              </a:rPr>
+              <a:t>Remove case 91 from training</a:t>
+            </a:r>
+          </a:p>
+          <a:p>
+            <a:pPr marL="342900" indent="-342900" algn="just">
+              <a:lnSpc>
+                <a:spcPts val="2000"/>
+              </a:lnSpc>
+              <a:buAutoNum type="arabicPeriod"/>
+            </a:pPr>
+            <a:r>
+              <a:rPr lang="en-US" sz="1200" dirty="0">
+                <a:latin typeface="Times New Roman" panose="02020603050405020304" pitchFamily="18" charset="0"/>
+                <a:cs typeface="Times New Roman" panose="02020603050405020304" pitchFamily="18" charset="0"/>
+              </a:rPr>
+              <a:t>Increase learning rate further, until a minimum is found – with scheduler?</a:t>
+            </a:r>
+          </a:p>
+          <a:p>
+            <a:pPr marL="342900" indent="-342900" algn="just">
+              <a:lnSpc>
+                <a:spcPts val="2000"/>
+              </a:lnSpc>
+              <a:buAutoNum type="arabicPeriod"/>
+            </a:pPr>
+            <a:r>
+              <a:rPr lang="en-US" sz="1200" dirty="0">
+                <a:latin typeface="Times New Roman" panose="02020603050405020304" pitchFamily="18" charset="0"/>
+                <a:cs typeface="Times New Roman" panose="02020603050405020304" pitchFamily="18" charset="0"/>
+              </a:rPr>
+              <a:t>ROC-AUC can be misleading</a:t>
+            </a:r>
+          </a:p>
+          <a:p>
+            <a:pPr marL="342900" indent="-342900" algn="just">
+              <a:lnSpc>
+                <a:spcPts val="2200"/>
+              </a:lnSpc>
+              <a:buAutoNum type="arabicPeriod"/>
+            </a:pPr>
+            <a:endParaRPr lang="en-US" sz="1200" dirty="0">
+              <a:latin typeface="Times New Roman" panose="02020603050405020304" pitchFamily="18" charset="0"/>
+              <a:cs typeface="Times New Roman" panose="02020603050405020304" pitchFamily="18" charset="0"/>
+            </a:endParaRPr>
+          </a:p>
+        </p:txBody>
+      </p:sp>
+    </p:spTree>
+    <p:extLst>
+      <p:ext uri="{BB962C8B-B14F-4D97-AF65-F5344CB8AC3E}">
+        <p14:creationId xmlns:p14="http://schemas.microsoft.com/office/powerpoint/2010/main" val="197347700"/>
+      </p:ext>
+    </p:extLst>
+  </p:cSld>
+  <p:clrMapOvr>
+    <a:masterClrMapping/>
+  </p:clrMapOvr>
+  <p:timing>
+    <p:tnLst>
+      <p:par>
+        <p:cTn id="1" dur="indefinite" restart="never" nodeType="tmRoot">
+          <p:childTnLst>
+            <p:seq concurrent="1" nextAc="seek">
+              <p:cTn id="2" dur="indefinite" nodeType="mainSeq">
+                <p:childTnLst>
+                  <p:par>
+                    <p:cTn id="3" fill="hold">
+                      <p:stCondLst>
+                        <p:cond delay="indefinite"/>
+                      </p:stCondLst>
+                      <p:childTnLst>
+                        <p:par>
+                          <p:cTn id="4" fill="hold">
+                            <p:stCondLst>
+                              <p:cond delay="0"/>
+                            </p:stCondLst>
+                            <p:childTnLst>
+                              <p:par>
+                                <p:cTn id="5" presetID="10" presetClass="entr" presetSubtype="0" fill="hold" nodeType="clickEffect">
+                                  <p:stCondLst>
+                                    <p:cond delay="0"/>
+                                  </p:stCondLst>
+                                  <p:childTnLst>
+                                    <p:set>
+                                      <p:cBhvr>
+                                        <p:cTn id="6" dur="1" fill="hold">
+                                          <p:stCondLst>
+                                            <p:cond delay="0"/>
+                                          </p:stCondLst>
+                                        </p:cTn>
+                                        <p:tgtEl>
+                                          <p:spTgt spid="2">
+                                            <p:txEl>
+                                              <p:pRg st="0" end="0"/>
+                                            </p:txEl>
+                                          </p:spTgt>
+                                        </p:tgtEl>
+                                        <p:attrNameLst>
+                                          <p:attrName>style.visibility</p:attrName>
+                                        </p:attrNameLst>
+                                      </p:cBhvr>
+                                      <p:to>
+                                        <p:strVal val="visible"/>
+                                      </p:to>
+                                    </p:set>
+                                    <p:animEffect transition="in" filter="fade">
+                                      <p:cBhvr>
+                                        <p:cTn id="7" dur="500"/>
+                                        <p:tgtEl>
+                                          <p:spTgt spid="2">
+                                            <p:txEl>
+                                              <p:pRg st="0" end="0"/>
+                                            </p:txEl>
+                                          </p:spTgt>
+                                        </p:tgtEl>
+                                      </p:cBhvr>
+                                    </p:animEffect>
+                                  </p:childTnLst>
+                                </p:cTn>
+                              </p:par>
+                            </p:childTnLst>
+                          </p:cTn>
+                        </p:par>
+                      </p:childTnLst>
+                    </p:cTn>
+                  </p:par>
+                  <p:par>
+                    <p:cTn id="8" fill="hold">
+                      <p:stCondLst>
+                        <p:cond delay="indefinite"/>
+                      </p:stCondLst>
+                      <p:childTnLst>
+                        <p:par>
+                          <p:cTn id="9" fill="hold">
+                            <p:stCondLst>
+                              <p:cond delay="0"/>
+                            </p:stCondLst>
+                            <p:childTnLst>
+                              <p:par>
+                                <p:cTn id="10" presetID="10" presetClass="entr" presetSubtype="0" fill="hold" nodeType="clickEffect">
+                                  <p:stCondLst>
+                                    <p:cond delay="0"/>
+                                  </p:stCondLst>
+                                  <p:childTnLst>
+                                    <p:set>
+                                      <p:cBhvr>
+                                        <p:cTn id="11" dur="1" fill="hold">
+                                          <p:stCondLst>
+                                            <p:cond delay="0"/>
+                                          </p:stCondLst>
+                                        </p:cTn>
+                                        <p:tgtEl>
+                                          <p:spTgt spid="2">
+                                            <p:txEl>
+                                              <p:pRg st="1" end="1"/>
+                                            </p:txEl>
+                                          </p:spTgt>
+                                        </p:tgtEl>
+                                        <p:attrNameLst>
+                                          <p:attrName>style.visibility</p:attrName>
+                                        </p:attrNameLst>
+                                      </p:cBhvr>
+                                      <p:to>
+                                        <p:strVal val="visible"/>
+                                      </p:to>
+                                    </p:set>
+                                    <p:animEffect transition="in" filter="fade">
+                                      <p:cBhvr>
+                                        <p:cTn id="12" dur="500"/>
+                                        <p:tgtEl>
+                                          <p:spTgt spid="2">
+                                            <p:txEl>
+                                              <p:pRg st="1" end="1"/>
+                                            </p:txEl>
+                                          </p:spTgt>
+                                        </p:tgtEl>
+                                      </p:cBhvr>
+                                    </p:animEffect>
+                                  </p:childTnLst>
+                                </p:cTn>
+                              </p:par>
+                            </p:childTnLst>
+                          </p:cTn>
+                        </p:par>
+                      </p:childTnLst>
+                    </p:cTn>
+                  </p:par>
+                  <p:par>
+                    <p:cTn id="13" fill="hold">
+                      <p:stCondLst>
+                        <p:cond delay="indefinite"/>
+                      </p:stCondLst>
+                      <p:childTnLst>
+                        <p:par>
+                          <p:cTn id="14" fill="hold">
+                            <p:stCondLst>
+                              <p:cond delay="0"/>
+                            </p:stCondLst>
+                            <p:childTnLst>
+                              <p:par>
+                                <p:cTn id="15" presetID="10" presetClass="entr" presetSubtype="0" fill="hold" nodeType="clickEffect">
+                                  <p:stCondLst>
+                                    <p:cond delay="0"/>
+                                  </p:stCondLst>
+                                  <p:childTnLst>
+                                    <p:set>
+                                      <p:cBhvr>
+                                        <p:cTn id="16" dur="1" fill="hold">
+                                          <p:stCondLst>
+                                            <p:cond delay="0"/>
+                                          </p:stCondLst>
+                                        </p:cTn>
+                                        <p:tgtEl>
+                                          <p:spTgt spid="2">
+                                            <p:txEl>
+                                              <p:pRg st="2" end="2"/>
+                                            </p:txEl>
+                                          </p:spTgt>
+                                        </p:tgtEl>
+                                        <p:attrNameLst>
+                                          <p:attrName>style.visibility</p:attrName>
+                                        </p:attrNameLst>
+                                      </p:cBhvr>
+                                      <p:to>
+                                        <p:strVal val="visible"/>
+                                      </p:to>
+                                    </p:set>
+                                    <p:animEffect transition="in" filter="fade">
+                                      <p:cBhvr>
+                                        <p:cTn id="17" dur="500"/>
+                                        <p:tgtEl>
+                                          <p:spTgt spid="2">
+                                            <p:txEl>
+                                              <p:pRg st="2" end="2"/>
+                                            </p:txEl>
+                                          </p:spTgt>
+                                        </p:tgtEl>
+                                      </p:cBhvr>
+                                    </p:animEffect>
+                                  </p:childTnLst>
+                                </p:cTn>
+                              </p:par>
+                            </p:childTnLst>
+                          </p:cTn>
+                        </p:par>
+                      </p:childTnLst>
+                    </p:cTn>
+                  </p:par>
+                  <p:par>
+                    <p:cTn id="18" fill="hold">
+                      <p:stCondLst>
+                        <p:cond delay="indefinite"/>
+                      </p:stCondLst>
+                      <p:childTnLst>
+                        <p:par>
+                          <p:cTn id="19" fill="hold">
+                            <p:stCondLst>
+                              <p:cond delay="0"/>
+                            </p:stCondLst>
+                            <p:childTnLst>
+                              <p:par>
+                                <p:cTn id="20" presetID="10" presetClass="entr" presetSubtype="0" fill="hold" nodeType="clickEffect">
+                                  <p:stCondLst>
+                                    <p:cond delay="0"/>
+                                  </p:stCondLst>
+                                  <p:childTnLst>
+                                    <p:set>
+                                      <p:cBhvr>
+                                        <p:cTn id="21" dur="1" fill="hold">
+                                          <p:stCondLst>
+                                            <p:cond delay="0"/>
+                                          </p:stCondLst>
+                                        </p:cTn>
+                                        <p:tgtEl>
+                                          <p:spTgt spid="2">
+                                            <p:txEl>
+                                              <p:pRg st="3" end="3"/>
+                                            </p:txEl>
+                                          </p:spTgt>
+                                        </p:tgtEl>
+                                        <p:attrNameLst>
+                                          <p:attrName>style.visibility</p:attrName>
+                                        </p:attrNameLst>
+                                      </p:cBhvr>
+                                      <p:to>
+                                        <p:strVal val="visible"/>
+                                      </p:to>
+                                    </p:set>
+                                    <p:animEffect transition="in" filter="fade">
+                                      <p:cBhvr>
+                                        <p:cTn id="22" dur="500"/>
+                                        <p:tgtEl>
+                                          <p:spTgt spid="2">
+                                            <p:txEl>
+                                              <p:pRg st="3" end="3"/>
+                                            </p:txEl>
+                                          </p:spTgt>
+                                        </p:tgtEl>
+                                      </p:cBhvr>
+                                    </p:animEffect>
+                                  </p:childTnLst>
+                                </p:cTn>
+                              </p:par>
+                            </p:childTnLst>
+                          </p:cTn>
+                        </p:par>
+                      </p:childTnLst>
+                    </p:cTn>
+                  </p:par>
+                  <p:par>
+                    <p:cTn id="23" fill="hold">
+                      <p:stCondLst>
+                        <p:cond delay="indefinite"/>
+                      </p:stCondLst>
+                      <p:childTnLst>
+                        <p:par>
+                          <p:cTn id="24" fill="hold">
+                            <p:stCondLst>
+                              <p:cond delay="0"/>
+                            </p:stCondLst>
+                            <p:childTnLst>
+                              <p:par>
+                                <p:cTn id="25" presetID="10" presetClass="entr" presetSubtype="0" fill="hold" nodeType="clickEffect">
+                                  <p:stCondLst>
+                                    <p:cond delay="0"/>
+                                  </p:stCondLst>
+                                  <p:childTnLst>
+                                    <p:set>
+                                      <p:cBhvr>
+                                        <p:cTn id="26" dur="1" fill="hold">
+                                          <p:stCondLst>
+                                            <p:cond delay="0"/>
+                                          </p:stCondLst>
+                                        </p:cTn>
+                                        <p:tgtEl>
+                                          <p:spTgt spid="2">
+                                            <p:txEl>
+                                              <p:pRg st="4" end="4"/>
+                                            </p:txEl>
+                                          </p:spTgt>
+                                        </p:tgtEl>
+                                        <p:attrNameLst>
+                                          <p:attrName>style.visibility</p:attrName>
+                                        </p:attrNameLst>
+                                      </p:cBhvr>
+                                      <p:to>
+                                        <p:strVal val="visible"/>
+                                      </p:to>
+                                    </p:set>
+                                    <p:animEffect transition="in" filter="fade">
+                                      <p:cBhvr>
+                                        <p:cTn id="27" dur="500"/>
+                                        <p:tgtEl>
+                                          <p:spTgt spid="2">
+                                            <p:txEl>
+                                              <p:pRg st="4" end="4"/>
+                                            </p:txEl>
+                                          </p:spTgt>
+                                        </p:tgtEl>
+                                      </p:cBhvr>
+                                    </p:animEffect>
+                                  </p:childTnLst>
+                                </p:cTn>
+                              </p:par>
+                            </p:childTnLst>
+                          </p:cTn>
+                        </p:par>
+                      </p:childTnLst>
+                    </p:cTn>
+                  </p:par>
+                  <p:par>
+                    <p:cTn id="28" fill="hold">
+                      <p:stCondLst>
+                        <p:cond delay="indefinite"/>
+                      </p:stCondLst>
+                      <p:childTnLst>
+                        <p:par>
+                          <p:cTn id="29" fill="hold">
+                            <p:stCondLst>
+                              <p:cond delay="0"/>
+                            </p:stCondLst>
+                            <p:childTnLst>
+                              <p:par>
+                                <p:cTn id="30" presetID="10" presetClass="entr" presetSubtype="0" fill="hold" nodeType="clickEffect">
+                                  <p:stCondLst>
+                                    <p:cond delay="0"/>
+                                  </p:stCondLst>
+                                  <p:childTnLst>
+                                    <p:set>
+                                      <p:cBhvr>
+                                        <p:cTn id="31" dur="1" fill="hold">
+                                          <p:stCondLst>
+                                            <p:cond delay="0"/>
+                                          </p:stCondLst>
+                                        </p:cTn>
+                                        <p:tgtEl>
+                                          <p:spTgt spid="2">
+                                            <p:txEl>
+                                              <p:pRg st="5" end="5"/>
+                                            </p:txEl>
+                                          </p:spTgt>
+                                        </p:tgtEl>
+                                        <p:attrNameLst>
+                                          <p:attrName>style.visibility</p:attrName>
+                                        </p:attrNameLst>
+                                      </p:cBhvr>
+                                      <p:to>
+                                        <p:strVal val="visible"/>
+                                      </p:to>
+                                    </p:set>
+                                    <p:animEffect transition="in" filter="fade">
+                                      <p:cBhvr>
+                                        <p:cTn id="32" dur="500"/>
+                                        <p:tgtEl>
+                                          <p:spTgt spid="2">
+                                            <p:txEl>
+                                              <p:pRg st="5" end="5"/>
+                                            </p:txEl>
+                                          </p:spTgt>
+                                        </p:tgtEl>
+                                      </p:cBhvr>
+                                    </p:animEffect>
+                                  </p:childTnLst>
+                                </p:cTn>
+                              </p:par>
+                            </p:childTnLst>
+                          </p:cTn>
+                        </p:par>
+                      </p:childTnLst>
+                    </p:cTn>
+                  </p:par>
+                  <p:par>
+                    <p:cTn id="33" fill="hold">
+                      <p:stCondLst>
+                        <p:cond delay="indefinite"/>
+                      </p:stCondLst>
+                      <p:childTnLst>
+                        <p:par>
+                          <p:cTn id="34" fill="hold">
+                            <p:stCondLst>
+                              <p:cond delay="0"/>
+                            </p:stCondLst>
+                            <p:childTnLst>
+                              <p:par>
+                                <p:cTn id="35" presetID="10" presetClass="entr" presetSubtype="0" fill="hold" nodeType="clickEffect">
+                                  <p:stCondLst>
+                                    <p:cond delay="0"/>
+                                  </p:stCondLst>
+                                  <p:childTnLst>
+                                    <p:set>
+                                      <p:cBhvr>
+                                        <p:cTn id="36" dur="1" fill="hold">
+                                          <p:stCondLst>
+                                            <p:cond delay="0"/>
+                                          </p:stCondLst>
+                                        </p:cTn>
+                                        <p:tgtEl>
+                                          <p:spTgt spid="2">
+                                            <p:txEl>
+                                              <p:pRg st="6" end="6"/>
+                                            </p:txEl>
+                                          </p:spTgt>
+                                        </p:tgtEl>
+                                        <p:attrNameLst>
+                                          <p:attrName>style.visibility</p:attrName>
+                                        </p:attrNameLst>
+                                      </p:cBhvr>
+                                      <p:to>
+                                        <p:strVal val="visible"/>
+                                      </p:to>
+                                    </p:set>
+                                    <p:animEffect transition="in" filter="fade">
+                                      <p:cBhvr>
+                                        <p:cTn id="37" dur="500"/>
+                                        <p:tgtEl>
+                                          <p:spTgt spid="2">
+                                            <p:txEl>
+                                              <p:pRg st="6" end="6"/>
+                                            </p:txEl>
+                                          </p:spTgt>
+                                        </p:tgtEl>
+                                      </p:cBhvr>
+                                    </p:animEffect>
+                                  </p:childTnLst>
+                                </p:cTn>
+                              </p:par>
+                            </p:childTnLst>
+                          </p:cTn>
+                        </p:par>
+                      </p:childTnLst>
+                    </p:cTn>
+                  </p:par>
+                  <p:par>
+                    <p:cTn id="38" fill="hold">
+                      <p:stCondLst>
+                        <p:cond delay="indefinite"/>
+                      </p:stCondLst>
+                      <p:childTnLst>
+                        <p:par>
+                          <p:cTn id="39" fill="hold">
+                            <p:stCondLst>
+                              <p:cond delay="0"/>
+                            </p:stCondLst>
+                            <p:childTnLst>
+                              <p:par>
+                                <p:cTn id="40" presetID="10" presetClass="entr" presetSubtype="0" fill="hold" nodeType="clickEffect">
+                                  <p:stCondLst>
+                                    <p:cond delay="0"/>
+                                  </p:stCondLst>
+                                  <p:childTnLst>
+                                    <p:set>
+                                      <p:cBhvr>
+                                        <p:cTn id="41" dur="1" fill="hold">
+                                          <p:stCondLst>
+                                            <p:cond delay="0"/>
+                                          </p:stCondLst>
+                                        </p:cTn>
+                                        <p:tgtEl>
+                                          <p:spTgt spid="2">
+                                            <p:txEl>
+                                              <p:pRg st="7" end="7"/>
+                                            </p:txEl>
+                                          </p:spTgt>
+                                        </p:tgtEl>
+                                        <p:attrNameLst>
+                                          <p:attrName>style.visibility</p:attrName>
+                                        </p:attrNameLst>
+                                      </p:cBhvr>
+                                      <p:to>
+                                        <p:strVal val="visible"/>
+                                      </p:to>
+                                    </p:set>
+                                    <p:animEffect transition="in" filter="fade">
+                                      <p:cBhvr>
+                                        <p:cTn id="42" dur="500"/>
+                                        <p:tgtEl>
+                                          <p:spTgt spid="2">
+                                            <p:txEl>
+                                              <p:pRg st="7" end="7"/>
+                                            </p:txEl>
+                                          </p:spTgt>
+                                        </p:tgtEl>
+                                      </p:cBhvr>
+                                    </p:animEffect>
+                                  </p:childTnLst>
+                                </p:cTn>
+                              </p:par>
+                            </p:childTnLst>
+                          </p:cTn>
+                        </p:par>
+                      </p:childTnLst>
+                    </p:cTn>
+                  </p:par>
+                  <p:par>
+                    <p:cTn id="43" fill="hold">
+                      <p:stCondLst>
+                        <p:cond delay="indefinite"/>
+                      </p:stCondLst>
+                      <p:childTnLst>
+                        <p:par>
+                          <p:cTn id="44" fill="hold">
+                            <p:stCondLst>
+                              <p:cond delay="0"/>
+                            </p:stCondLst>
+                            <p:childTnLst>
+                              <p:par>
+                                <p:cTn id="45" presetID="10" presetClass="entr" presetSubtype="0" fill="hold" nodeType="clickEffect">
+                                  <p:stCondLst>
+                                    <p:cond delay="0"/>
+                                  </p:stCondLst>
+                                  <p:childTnLst>
+                                    <p:set>
+                                      <p:cBhvr>
+                                        <p:cTn id="46" dur="1" fill="hold">
+                                          <p:stCondLst>
+                                            <p:cond delay="0"/>
+                                          </p:stCondLst>
+                                        </p:cTn>
+                                        <p:tgtEl>
+                                          <p:spTgt spid="2">
+                                            <p:txEl>
+                                              <p:pRg st="8" end="8"/>
+                                            </p:txEl>
+                                          </p:spTgt>
+                                        </p:tgtEl>
+                                        <p:attrNameLst>
+                                          <p:attrName>style.visibility</p:attrName>
+                                        </p:attrNameLst>
+                                      </p:cBhvr>
+                                      <p:to>
+                                        <p:strVal val="visible"/>
+                                      </p:to>
+                                    </p:set>
+                                    <p:animEffect transition="in" filter="fade">
+                                      <p:cBhvr>
+                                        <p:cTn id="47" dur="500"/>
+                                        <p:tgtEl>
+                                          <p:spTgt spid="2">
+                                            <p:txEl>
+                                              <p:pRg st="8" end="8"/>
+                                            </p:txEl>
+                                          </p:spTgt>
+                                        </p:tgtEl>
+                                      </p:cBhvr>
+                                    </p:animEffect>
+                                  </p:childTnLst>
+                                </p:cTn>
+                              </p:par>
+                            </p:childTnLst>
+                          </p:cTn>
+                        </p:par>
+                      </p:childTnLst>
+                    </p:cTn>
+                  </p:par>
+                  <p:par>
+                    <p:cTn id="48" fill="hold">
+                      <p:stCondLst>
+                        <p:cond delay="indefinite"/>
+                      </p:stCondLst>
+                      <p:childTnLst>
+                        <p:par>
+                          <p:cTn id="49" fill="hold">
+                            <p:stCondLst>
+                              <p:cond delay="0"/>
+                            </p:stCondLst>
+                            <p:childTnLst>
+                              <p:par>
+                                <p:cTn id="50" presetID="10" presetClass="entr" presetSubtype="0" fill="hold" nodeType="clickEffect">
+                                  <p:stCondLst>
+                                    <p:cond delay="0"/>
+                                  </p:stCondLst>
+                                  <p:childTnLst>
+                                    <p:set>
+                                      <p:cBhvr>
+                                        <p:cTn id="51" dur="1" fill="hold">
+                                          <p:stCondLst>
+                                            <p:cond delay="0"/>
+                                          </p:stCondLst>
+                                        </p:cTn>
+                                        <p:tgtEl>
+                                          <p:spTgt spid="2">
+                                            <p:txEl>
+                                              <p:pRg st="9" end="9"/>
+                                            </p:txEl>
+                                          </p:spTgt>
+                                        </p:tgtEl>
+                                        <p:attrNameLst>
+                                          <p:attrName>style.visibility</p:attrName>
+                                        </p:attrNameLst>
+                                      </p:cBhvr>
+                                      <p:to>
+                                        <p:strVal val="visible"/>
+                                      </p:to>
+                                    </p:set>
+                                    <p:animEffect transition="in" filter="fade">
+                                      <p:cBhvr>
+                                        <p:cTn id="52" dur="500"/>
+                                        <p:tgtEl>
+                                          <p:spTgt spid="2">
+                                            <p:txEl>
+                                              <p:pRg st="9" end="9"/>
+                                            </p:txEl>
+                                          </p:spTgt>
+                                        </p:tgtEl>
+                                      </p:cBhvr>
+                                    </p:animEffect>
+                                  </p:childTnLst>
+                                </p:cTn>
+                              </p:par>
+                            </p:childTnLst>
+                          </p:cTn>
+                        </p:par>
+                      </p:childTnLst>
+                    </p:cTn>
+                  </p:par>
+                  <p:par>
+                    <p:cTn id="53" fill="hold">
+                      <p:stCondLst>
+                        <p:cond delay="indefinite"/>
+                      </p:stCondLst>
+                      <p:childTnLst>
+                        <p:par>
+                          <p:cTn id="54" fill="hold">
+                            <p:stCondLst>
+                              <p:cond delay="0"/>
+                            </p:stCondLst>
+                            <p:childTnLst>
+                              <p:par>
+                                <p:cTn id="55" presetID="10" presetClass="entr" presetSubtype="0" fill="hold" nodeType="clickEffect">
+                                  <p:stCondLst>
+                                    <p:cond delay="0"/>
+                                  </p:stCondLst>
+                                  <p:childTnLst>
+                                    <p:set>
+                                      <p:cBhvr>
+                                        <p:cTn id="56" dur="1" fill="hold">
+                                          <p:stCondLst>
+                                            <p:cond delay="0"/>
+                                          </p:stCondLst>
+                                        </p:cTn>
+                                        <p:tgtEl>
+                                          <p:spTgt spid="2">
+                                            <p:txEl>
+                                              <p:pRg st="10" end="10"/>
+                                            </p:txEl>
+                                          </p:spTgt>
+                                        </p:tgtEl>
+                                        <p:attrNameLst>
+                                          <p:attrName>style.visibility</p:attrName>
+                                        </p:attrNameLst>
+                                      </p:cBhvr>
+                                      <p:to>
+                                        <p:strVal val="visible"/>
+                                      </p:to>
+                                    </p:set>
+                                    <p:animEffect transition="in" filter="fade">
+                                      <p:cBhvr>
+                                        <p:cTn id="57" dur="500"/>
+                                        <p:tgtEl>
+                                          <p:spTgt spid="2">
+                                            <p:txEl>
+                                              <p:pRg st="10" end="10"/>
+                                            </p:txEl>
+                                          </p:spTgt>
+                                        </p:tgtEl>
+                                      </p:cBhvr>
+                                    </p:animEffect>
+                                  </p:childTnLst>
+                                </p:cTn>
+                              </p:par>
+                            </p:childTnLst>
+                          </p:cTn>
+                        </p:par>
+                      </p:childTnLst>
+                    </p:cTn>
+                  </p:par>
+                </p:childTnLst>
+              </p:cTn>
+              <p:prevCondLst>
+                <p:cond evt="onPrev" delay="0">
+                  <p:tgtEl>
+                    <p:sldTgt/>
+                  </p:tgtEl>
+                </p:cond>
+              </p:prevCondLst>
+              <p:nextCondLst>
+                <p:cond evt="onNext" delay="0">
+                  <p:tgtEl>
+                    <p:sldTgt/>
+                  </p:tgtEl>
+                </p:cond>
+              </p:nextCondLst>
+            </p:seq>
+          </p:childTnLst>
+        </p:cTn>
+      </p:par>
+    </p:tnLst>
+  </p:timing>
+</p:sld>
+</file>
+
+<file path=ppt/slides/slide4.xml><?xml version="1.0" encoding="utf-8"?>
+<p:sld xmlns:a="http://schemas.openxmlformats.org/drawingml/2006/main" xmlns:r="http://schemas.openxmlformats.org/officeDocument/2006/relationships" xmlns:p="http://schemas.openxmlformats.org/presentationml/2006/main">
+  <p:cSld>
+    <p:spTree>
+      <p:nvGrpSpPr>
+        <p:cNvPr id="1" name="">
+          <a:extLst>
+            <a:ext uri="{FF2B5EF4-FFF2-40B4-BE49-F238E27FC236}">
+              <a16:creationId xmlns:a16="http://schemas.microsoft.com/office/drawing/2014/main" id="{B330DC4F-E722-8E6B-B832-0BFFBB421900}"/>
+            </a:ext>
+          </a:extLst>
+        </p:cNvPr>
+        <p:cNvGrpSpPr/>
+        <p:nvPr/>
+      </p:nvGrpSpPr>
+      <p:grpSpPr>
+        <a:xfrm>
+          <a:off x="0" y="0"/>
+          <a:ext cx="0" cy="0"/>
+          <a:chOff x="0" y="0"/>
+          <a:chExt cx="0" cy="0"/>
+        </a:xfrm>
+      </p:grpSpPr>
+      <p:sp>
+        <p:nvSpPr>
+          <p:cNvPr id="4" name="Slide Number Placeholder 3">
+            <a:extLst>
+              <a:ext uri="{FF2B5EF4-FFF2-40B4-BE49-F238E27FC236}">
+                <a16:creationId xmlns:a16="http://schemas.microsoft.com/office/drawing/2014/main" id="{081D867C-9FE0-28CD-EFE2-3E70A4470BAA}"/>
+              </a:ext>
+            </a:extLst>
+          </p:cNvPr>
+          <p:cNvSpPr>
+            <a:spLocks noGrp="1"/>
+          </p:cNvSpPr>
+          <p:nvPr>
+            <p:ph type="sldNum" sz="quarter" idx="12"/>
+          </p:nvPr>
+        </p:nvSpPr>
+        <p:spPr/>
+        <p:txBody>
+          <a:bodyPr/>
+          <a:lstStyle/>
+          <a:p>
+            <a:fld id="{106E12CD-FCB1-464E-A775-0B83FDDACE03}" type="slidenum">
+              <a:rPr lang="en-US" smtClean="0"/>
+              <a:pPr/>
+              <a:t>3</a:t>
+            </a:fld>
+            <a:endParaRPr lang="en-US" dirty="0"/>
+          </a:p>
+        </p:txBody>
+      </p:sp>
+      <p:sp>
+        <p:nvSpPr>
+          <p:cNvPr id="5" name="Title 1">
+            <a:extLst>
+              <a:ext uri="{FF2B5EF4-FFF2-40B4-BE49-F238E27FC236}">
+                <a16:creationId xmlns:a16="http://schemas.microsoft.com/office/drawing/2014/main" id="{F0E249B8-AAE7-6D96-0E0C-FD4E7A132AE9}"/>
+              </a:ext>
+            </a:extLst>
+          </p:cNvPr>
+          <p:cNvSpPr>
+            <a:spLocks noGrp="1"/>
+          </p:cNvSpPr>
+          <p:nvPr>
+            <p:ph type="ctrTitle"/>
+          </p:nvPr>
+        </p:nvSpPr>
+        <p:spPr>
+          <a:xfrm>
+            <a:off x="570677" y="223723"/>
+            <a:ext cx="7772400" cy="808701"/>
+          </a:xfrm>
+        </p:spPr>
+        <p:txBody>
+          <a:bodyPr>
+            <a:normAutofit/>
+          </a:bodyPr>
+          <a:lstStyle/>
+          <a:p>
+            <a:pPr algn="l"/>
+            <a:r>
+              <a:rPr lang="en-US" sz="3600" dirty="0">
+                <a:latin typeface="Times New Roman" panose="02020603050405020304" pitchFamily="18" charset="0"/>
+                <a:cs typeface="Times New Roman" panose="02020603050405020304" pitchFamily="18" charset="0"/>
+              </a:rPr>
+              <a:t>Post modeling analysis / next steps</a:t>
+            </a:r>
+          </a:p>
+        </p:txBody>
+      </p:sp>
+      <p:sp>
+        <p:nvSpPr>
+          <p:cNvPr id="2" name="TextBox 1">
+            <a:extLst>
+              <a:ext uri="{FF2B5EF4-FFF2-40B4-BE49-F238E27FC236}">
+                <a16:creationId xmlns:a16="http://schemas.microsoft.com/office/drawing/2014/main" id="{5E8A1050-9E27-A34E-84E0-8173E9AB6DAD}"/>
+              </a:ext>
+            </a:extLst>
+          </p:cNvPr>
+          <p:cNvSpPr txBox="1"/>
+          <p:nvPr/>
+        </p:nvSpPr>
+        <p:spPr>
+          <a:xfrm>
+            <a:off x="491127" y="1109731"/>
+            <a:ext cx="8116511" cy="3654975"/>
+          </a:xfrm>
+          <a:prstGeom prst="rect">
+            <a:avLst/>
+          </a:prstGeom>
+          <a:noFill/>
+        </p:spPr>
+        <p:txBody>
+          <a:bodyPr wrap="square" rtlCol="0">
+            <a:spAutoFit/>
+          </a:bodyPr>
+          <a:lstStyle/>
+          <a:p>
+            <a:pPr marL="342900" indent="-342900" algn="just">
+              <a:lnSpc>
+                <a:spcPts val="2000"/>
+              </a:lnSpc>
+              <a:buAutoNum type="arabicPeriod"/>
+            </a:pPr>
+            <a:r>
+              <a:rPr lang="en-US" sz="1200" b="1" dirty="0">
+                <a:latin typeface="Times New Roman" panose="02020603050405020304" pitchFamily="18" charset="0"/>
+                <a:cs typeface="Times New Roman" panose="02020603050405020304" pitchFamily="18" charset="0"/>
+              </a:rPr>
+              <a:t>Attention collapse:</a:t>
+            </a:r>
+            <a:r>
+              <a:rPr lang="en-US" sz="1200" dirty="0">
+                <a:latin typeface="Times New Roman" panose="02020603050405020304" pitchFamily="18" charset="0"/>
+                <a:cs typeface="Times New Roman" panose="02020603050405020304" pitchFamily="18" charset="0"/>
+              </a:rPr>
+              <a:t> </a:t>
+            </a:r>
+            <a:r>
+              <a:rPr lang="en-US" sz="1200" dirty="0" err="1">
+                <a:latin typeface="Times New Roman" panose="02020603050405020304" pitchFamily="18" charset="0"/>
+                <a:cs typeface="Times New Roman" panose="02020603050405020304" pitchFamily="18" charset="0"/>
+              </a:rPr>
+              <a:t>Softmax</a:t>
+            </a:r>
+            <a:r>
+              <a:rPr lang="en-US" sz="1200" dirty="0">
+                <a:latin typeface="Times New Roman" panose="02020603050405020304" pitchFamily="18" charset="0"/>
+                <a:cs typeface="Times New Roman" panose="02020603050405020304" pitchFamily="18" charset="0"/>
+              </a:rPr>
+              <a:t> function peaks the attention score, particularly when done repeatedly – calculate effective patch attention by multiplying attention at the 3 levels</a:t>
+            </a:r>
+          </a:p>
+          <a:p>
+            <a:pPr marL="342900" indent="-342900" algn="just">
+              <a:lnSpc>
+                <a:spcPts val="2000"/>
+              </a:lnSpc>
+              <a:buAutoNum type="arabicPeriod"/>
+            </a:pPr>
+            <a:r>
+              <a:rPr lang="en-US" sz="1200" dirty="0">
+                <a:latin typeface="Times New Roman" panose="02020603050405020304" pitchFamily="18" charset="0"/>
+                <a:cs typeface="Times New Roman" panose="02020603050405020304" pitchFamily="18" charset="0"/>
+              </a:rPr>
+              <a:t>Fixes of attention collapse:</a:t>
+            </a:r>
+          </a:p>
+          <a:p>
+            <a:pPr marL="800100" lvl="1" indent="-342900" algn="just">
+              <a:lnSpc>
+                <a:spcPts val="2000"/>
+              </a:lnSpc>
+              <a:buAutoNum type="arabicPeriod"/>
+            </a:pPr>
+            <a:r>
+              <a:rPr lang="en-US" sz="1200" b="1" dirty="0">
+                <a:latin typeface="Times New Roman" panose="02020603050405020304" pitchFamily="18" charset="0"/>
+                <a:cs typeface="Times New Roman" panose="02020603050405020304" pitchFamily="18" charset="0"/>
+              </a:rPr>
+              <a:t>Attention regularization</a:t>
+            </a:r>
+            <a:r>
+              <a:rPr lang="en-US" sz="1200" dirty="0">
+                <a:latin typeface="Times New Roman" panose="02020603050405020304" pitchFamily="18" charset="0"/>
+                <a:cs typeface="Times New Roman" panose="02020603050405020304" pitchFamily="18" charset="0"/>
+              </a:rPr>
+              <a:t> – add penalty on attention score in the loss function – use elastic net (L1 for sparsity – get rid of unimportant patches, and L2 to keep scores low – avoid too much skewness in attention score distribution)</a:t>
+            </a:r>
+          </a:p>
+          <a:p>
+            <a:pPr marL="800100" lvl="1" indent="-342900" algn="just">
+              <a:lnSpc>
+                <a:spcPts val="2000"/>
+              </a:lnSpc>
+              <a:buAutoNum type="arabicPeriod"/>
+            </a:pPr>
+            <a:r>
+              <a:rPr lang="en-US" sz="1200" dirty="0">
+                <a:latin typeface="Times New Roman" panose="02020603050405020304" pitchFamily="18" charset="0"/>
+                <a:cs typeface="Times New Roman" panose="02020603050405020304" pitchFamily="18" charset="0"/>
+              </a:rPr>
+              <a:t>Attention normalization</a:t>
+            </a:r>
+          </a:p>
+          <a:p>
+            <a:pPr marL="800100" lvl="1" indent="-342900" algn="just">
+              <a:lnSpc>
+                <a:spcPts val="2000"/>
+              </a:lnSpc>
+              <a:buAutoNum type="arabicPeriod"/>
+            </a:pPr>
+            <a:r>
+              <a:rPr lang="en-US" sz="1200" dirty="0">
+                <a:latin typeface="Times New Roman" panose="02020603050405020304" pitchFamily="18" charset="0"/>
+                <a:cs typeface="Times New Roman" panose="02020603050405020304" pitchFamily="18" charset="0"/>
+              </a:rPr>
+              <a:t>Hierarchical transformer – transformer can aggregate across hierarchical units more robustly</a:t>
+            </a:r>
+          </a:p>
+          <a:p>
+            <a:pPr marL="800100" lvl="1" indent="-342900" algn="just">
+              <a:lnSpc>
+                <a:spcPts val="2000"/>
+              </a:lnSpc>
+              <a:buAutoNum type="arabicPeriod"/>
+            </a:pPr>
+            <a:r>
+              <a:rPr lang="en-US" sz="1200" dirty="0">
+                <a:latin typeface="Times New Roman" panose="02020603050405020304" pitchFamily="18" charset="0"/>
+                <a:cs typeface="Times New Roman" panose="02020603050405020304" pitchFamily="18" charset="0"/>
+              </a:rPr>
+              <a:t>Gated attention</a:t>
+            </a:r>
+          </a:p>
+          <a:p>
+            <a:pPr marL="342900" indent="-342900" algn="just">
+              <a:lnSpc>
+                <a:spcPts val="2000"/>
+              </a:lnSpc>
+              <a:buAutoNum type="arabicPeriod"/>
+            </a:pPr>
+            <a:r>
+              <a:rPr lang="en-US" sz="1200" dirty="0">
+                <a:latin typeface="Times New Roman" panose="02020603050405020304" pitchFamily="18" charset="0"/>
+                <a:cs typeface="Times New Roman" panose="02020603050405020304" pitchFamily="18" charset="0"/>
+              </a:rPr>
+              <a:t>Check stain performance separately</a:t>
+            </a:r>
+          </a:p>
+          <a:p>
+            <a:pPr marL="342900" indent="-342900" algn="just">
+              <a:lnSpc>
+                <a:spcPts val="2000"/>
+              </a:lnSpc>
+              <a:buAutoNum type="arabicPeriod"/>
+            </a:pPr>
+            <a:r>
+              <a:rPr lang="en-US" sz="1200" b="1" dirty="0">
+                <a:latin typeface="Times New Roman" panose="02020603050405020304" pitchFamily="18" charset="0"/>
+                <a:cs typeface="Times New Roman" panose="02020603050405020304" pitchFamily="18" charset="0"/>
+              </a:rPr>
+              <a:t>Find the effective attention score of each patch by multiplying the patch attention with the corresponding slice attention and the stain attention</a:t>
+            </a:r>
+          </a:p>
+          <a:p>
+            <a:pPr marL="342900" indent="-342900" algn="just">
+              <a:lnSpc>
+                <a:spcPts val="2000"/>
+              </a:lnSpc>
+              <a:buAutoNum type="arabicPeriod"/>
+            </a:pPr>
+            <a:r>
+              <a:rPr lang="en-US" sz="1200" b="1" dirty="0">
+                <a:latin typeface="Times New Roman" panose="02020603050405020304" pitchFamily="18" charset="0"/>
+                <a:cs typeface="Times New Roman" panose="02020603050405020304" pitchFamily="18" charset="0"/>
+              </a:rPr>
+              <a:t>If </a:t>
+            </a:r>
+            <a:r>
+              <a:rPr lang="en-US" sz="1200" b="1" dirty="0" err="1">
+                <a:latin typeface="Times New Roman" panose="02020603050405020304" pitchFamily="18" charset="0"/>
+                <a:cs typeface="Times New Roman" panose="02020603050405020304" pitchFamily="18" charset="0"/>
+              </a:rPr>
+              <a:t>h&amp;e</a:t>
+            </a:r>
+            <a:r>
+              <a:rPr lang="en-US" sz="1200" b="1" dirty="0">
+                <a:latin typeface="Times New Roman" panose="02020603050405020304" pitchFamily="18" charset="0"/>
+                <a:cs typeface="Times New Roman" panose="02020603050405020304" pitchFamily="18" charset="0"/>
+              </a:rPr>
+              <a:t> patches have more or less similar attention scores, give more importance to </a:t>
+            </a:r>
+            <a:r>
+              <a:rPr lang="en-US" sz="1200" b="1" dirty="0" err="1">
+                <a:latin typeface="Times New Roman" panose="02020603050405020304" pitchFamily="18" charset="0"/>
+                <a:cs typeface="Times New Roman" panose="02020603050405020304" pitchFamily="18" charset="0"/>
+              </a:rPr>
+              <a:t>h&amp;e</a:t>
+            </a:r>
+            <a:r>
+              <a:rPr lang="en-US" sz="1200" b="1" dirty="0">
+                <a:latin typeface="Times New Roman" panose="02020603050405020304" pitchFamily="18" charset="0"/>
+                <a:cs typeface="Times New Roman" panose="02020603050405020304" pitchFamily="18" charset="0"/>
+              </a:rPr>
+              <a:t>, else give more importance to </a:t>
+            </a:r>
+            <a:r>
+              <a:rPr lang="en-US" sz="1200" b="1" dirty="0" err="1">
+                <a:latin typeface="Times New Roman" panose="02020603050405020304" pitchFamily="18" charset="0"/>
+                <a:cs typeface="Times New Roman" panose="02020603050405020304" pitchFamily="18" charset="0"/>
+              </a:rPr>
+              <a:t>melan</a:t>
+            </a:r>
+            <a:r>
+              <a:rPr lang="en-US" sz="1200" b="1" dirty="0">
+                <a:latin typeface="Times New Roman" panose="02020603050405020304" pitchFamily="18" charset="0"/>
+                <a:cs typeface="Times New Roman" panose="02020603050405020304" pitchFamily="18" charset="0"/>
+              </a:rPr>
+              <a:t>-a and sox10 – using </a:t>
+            </a:r>
+            <a:r>
+              <a:rPr lang="en-US" sz="1200" b="1" dirty="0" err="1">
+                <a:latin typeface="Times New Roman" panose="02020603050405020304" pitchFamily="18" charset="0"/>
+                <a:cs typeface="Times New Roman" panose="02020603050405020304" pitchFamily="18" charset="0"/>
+              </a:rPr>
+              <a:t>h&amp;e</a:t>
+            </a:r>
+            <a:r>
+              <a:rPr lang="en-US" sz="1200" b="1" dirty="0">
+                <a:latin typeface="Times New Roman" panose="02020603050405020304" pitchFamily="18" charset="0"/>
+                <a:cs typeface="Times New Roman" panose="02020603050405020304" pitchFamily="18" charset="0"/>
+              </a:rPr>
+              <a:t> for suspicion, and then using </a:t>
+            </a:r>
+            <a:r>
+              <a:rPr lang="en-US" sz="1200" b="1" dirty="0" err="1">
+                <a:latin typeface="Times New Roman" panose="02020603050405020304" pitchFamily="18" charset="0"/>
+                <a:cs typeface="Times New Roman" panose="02020603050405020304" pitchFamily="18" charset="0"/>
+              </a:rPr>
+              <a:t>melan</a:t>
+            </a:r>
+            <a:r>
+              <a:rPr lang="en-US" sz="1200" b="1" dirty="0">
+                <a:latin typeface="Times New Roman" panose="02020603050405020304" pitchFamily="18" charset="0"/>
+                <a:cs typeface="Times New Roman" panose="02020603050405020304" pitchFamily="18" charset="0"/>
+              </a:rPr>
+              <a:t>-a and sox10portance  for evidence</a:t>
+            </a:r>
+          </a:p>
+          <a:p>
+            <a:pPr marL="342900" indent="-342900" algn="just">
+              <a:lnSpc>
+                <a:spcPts val="2000"/>
+              </a:lnSpc>
+              <a:buAutoNum type="arabicPeriod"/>
+            </a:pPr>
+            <a:endParaRPr lang="en-US" sz="1200" dirty="0">
+              <a:latin typeface="Times New Roman" panose="02020603050405020304" pitchFamily="18" charset="0"/>
+              <a:cs typeface="Times New Roman" panose="02020603050405020304" pitchFamily="18" charset="0"/>
+            </a:endParaRPr>
+          </a:p>
+        </p:txBody>
+      </p:sp>
+    </p:spTree>
+    <p:extLst>
+      <p:ext uri="{BB962C8B-B14F-4D97-AF65-F5344CB8AC3E}">
+        <p14:creationId xmlns:p14="http://schemas.microsoft.com/office/powerpoint/2010/main" val="2842402287"/>
+      </p:ext>
+    </p:extLst>
+  </p:cSld>
+  <p:clrMapOvr>
+    <a:masterClrMapping/>
+  </p:clrMapOvr>
+  <p:timing>
+    <p:tnLst>
+      <p:par>
+        <p:cTn id="1" dur="indefinite" restart="never" nodeType="tmRoot">
+          <p:childTnLst>
+            <p:seq concurrent="1" nextAc="seek">
+              <p:cTn id="2" dur="indefinite" nodeType="mainSeq">
+                <p:childTnLst>
+                  <p:par>
+                    <p:cTn id="3" fill="hold">
+                      <p:stCondLst>
+                        <p:cond delay="indefinite"/>
+                      </p:stCondLst>
+                      <p:childTnLst>
+                        <p:par>
+                          <p:cTn id="4" fill="hold">
+                            <p:stCondLst>
+                              <p:cond delay="0"/>
+                            </p:stCondLst>
+                            <p:childTnLst>
+                              <p:par>
+                                <p:cTn id="5" presetID="10" presetClass="entr" presetSubtype="0" fill="hold" nodeType="clickEffect">
+                                  <p:stCondLst>
+                                    <p:cond delay="0"/>
+                                  </p:stCondLst>
+                                  <p:childTnLst>
+                                    <p:set>
+                                      <p:cBhvr>
+                                        <p:cTn id="6" dur="1" fill="hold">
+                                          <p:stCondLst>
+                                            <p:cond delay="0"/>
+                                          </p:stCondLst>
+                                        </p:cTn>
+                                        <p:tgtEl>
+                                          <p:spTgt spid="2">
+                                            <p:txEl>
+                                              <p:pRg st="0" end="0"/>
+                                            </p:txEl>
+                                          </p:spTgt>
+                                        </p:tgtEl>
+                                        <p:attrNameLst>
+                                          <p:attrName>style.visibility</p:attrName>
+                                        </p:attrNameLst>
+                                      </p:cBhvr>
+                                      <p:to>
+                                        <p:strVal val="visible"/>
+                                      </p:to>
+                                    </p:set>
+                                    <p:animEffect transition="in" filter="fade">
+                                      <p:cBhvr>
+                                        <p:cTn id="7" dur="500"/>
+                                        <p:tgtEl>
+                                          <p:spTgt spid="2">
+                                            <p:txEl>
+                                              <p:pRg st="0" end="0"/>
+                                            </p:txEl>
+                                          </p:spTgt>
+                                        </p:tgtEl>
+                                      </p:cBhvr>
+                                    </p:animEffect>
+                                  </p:childTnLst>
+                                </p:cTn>
+                              </p:par>
+                            </p:childTnLst>
+                          </p:cTn>
+                        </p:par>
+                      </p:childTnLst>
+                    </p:cTn>
+                  </p:par>
+                  <p:par>
+                    <p:cTn id="8" fill="hold">
+                      <p:stCondLst>
+                        <p:cond delay="indefinite"/>
+                      </p:stCondLst>
+                      <p:childTnLst>
+                        <p:par>
+                          <p:cTn id="9" fill="hold">
+                            <p:stCondLst>
+                              <p:cond delay="0"/>
+                            </p:stCondLst>
+                            <p:childTnLst>
+                              <p:par>
+                                <p:cTn id="10" presetID="10" presetClass="entr" presetSubtype="0" fill="hold" nodeType="clickEffect">
+                                  <p:stCondLst>
+                                    <p:cond delay="0"/>
+                                  </p:stCondLst>
+                                  <p:childTnLst>
+                                    <p:set>
+                                      <p:cBhvr>
+                                        <p:cTn id="11" dur="1" fill="hold">
+                                          <p:stCondLst>
+                                            <p:cond delay="0"/>
+                                          </p:stCondLst>
+                                        </p:cTn>
+                                        <p:tgtEl>
+                                          <p:spTgt spid="2">
+                                            <p:txEl>
+                                              <p:pRg st="1" end="1"/>
+                                            </p:txEl>
+                                          </p:spTgt>
+                                        </p:tgtEl>
+                                        <p:attrNameLst>
+                                          <p:attrName>style.visibility</p:attrName>
+                                        </p:attrNameLst>
+                                      </p:cBhvr>
+                                      <p:to>
+                                        <p:strVal val="visible"/>
+                                      </p:to>
+                                    </p:set>
+                                    <p:animEffect transition="in" filter="fade">
+                                      <p:cBhvr>
+                                        <p:cTn id="12" dur="500"/>
+                                        <p:tgtEl>
+                                          <p:spTgt spid="2">
+                                            <p:txEl>
+                                              <p:pRg st="1" end="1"/>
+                                            </p:txEl>
+                                          </p:spTgt>
+                                        </p:tgtEl>
+                                      </p:cBhvr>
+                                    </p:animEffect>
+                                  </p:childTnLst>
+                                </p:cTn>
+                              </p:par>
+                            </p:childTnLst>
+                          </p:cTn>
+                        </p:par>
+                      </p:childTnLst>
+                    </p:cTn>
+                  </p:par>
+                  <p:par>
+                    <p:cTn id="13" fill="hold">
+                      <p:stCondLst>
+                        <p:cond delay="indefinite"/>
+                      </p:stCondLst>
+                      <p:childTnLst>
+                        <p:par>
+                          <p:cTn id="14" fill="hold">
+                            <p:stCondLst>
+                              <p:cond delay="0"/>
+                            </p:stCondLst>
+                            <p:childTnLst>
+                              <p:par>
+                                <p:cTn id="15" presetID="10" presetClass="entr" presetSubtype="0" fill="hold" nodeType="clickEffect">
+                                  <p:stCondLst>
+                                    <p:cond delay="0"/>
+                                  </p:stCondLst>
+                                  <p:childTnLst>
+                                    <p:set>
+                                      <p:cBhvr>
+                                        <p:cTn id="16" dur="1" fill="hold">
+                                          <p:stCondLst>
+                                            <p:cond delay="0"/>
+                                          </p:stCondLst>
+                                        </p:cTn>
+                                        <p:tgtEl>
+                                          <p:spTgt spid="2">
+                                            <p:txEl>
+                                              <p:pRg st="2" end="2"/>
+                                            </p:txEl>
+                                          </p:spTgt>
+                                        </p:tgtEl>
+                                        <p:attrNameLst>
+                                          <p:attrName>style.visibility</p:attrName>
+                                        </p:attrNameLst>
+                                      </p:cBhvr>
+                                      <p:to>
+                                        <p:strVal val="visible"/>
+                                      </p:to>
+                                    </p:set>
+                                    <p:animEffect transition="in" filter="fade">
+                                      <p:cBhvr>
+                                        <p:cTn id="17" dur="500"/>
+                                        <p:tgtEl>
+                                          <p:spTgt spid="2">
+                                            <p:txEl>
+                                              <p:pRg st="2" end="2"/>
+                                            </p:txEl>
+                                          </p:spTgt>
+                                        </p:tgtEl>
+                                      </p:cBhvr>
+                                    </p:animEffect>
+                                  </p:childTnLst>
+                                </p:cTn>
+                              </p:par>
+                            </p:childTnLst>
+                          </p:cTn>
+                        </p:par>
+                      </p:childTnLst>
+                    </p:cTn>
+                  </p:par>
+                  <p:par>
+                    <p:cTn id="18" fill="hold">
+                      <p:stCondLst>
+                        <p:cond delay="indefinite"/>
+                      </p:stCondLst>
+                      <p:childTnLst>
+                        <p:par>
+                          <p:cTn id="19" fill="hold">
+                            <p:stCondLst>
+                              <p:cond delay="0"/>
+                            </p:stCondLst>
+                            <p:childTnLst>
+                              <p:par>
+                                <p:cTn id="20" presetID="10" presetClass="entr" presetSubtype="0" fill="hold" nodeType="clickEffect">
+                                  <p:stCondLst>
+                                    <p:cond delay="0"/>
+                                  </p:stCondLst>
+                                  <p:childTnLst>
+                                    <p:set>
+                                      <p:cBhvr>
+                                        <p:cTn id="21" dur="1" fill="hold">
+                                          <p:stCondLst>
+                                            <p:cond delay="0"/>
+                                          </p:stCondLst>
+                                        </p:cTn>
+                                        <p:tgtEl>
+                                          <p:spTgt spid="2">
+                                            <p:txEl>
+                                              <p:pRg st="3" end="3"/>
+                                            </p:txEl>
+                                          </p:spTgt>
+                                        </p:tgtEl>
+                                        <p:attrNameLst>
+                                          <p:attrName>style.visibility</p:attrName>
+                                        </p:attrNameLst>
+                                      </p:cBhvr>
+                                      <p:to>
+                                        <p:strVal val="visible"/>
+                                      </p:to>
+                                    </p:set>
+                                    <p:animEffect transition="in" filter="fade">
+                                      <p:cBhvr>
+                                        <p:cTn id="22" dur="500"/>
+                                        <p:tgtEl>
+                                          <p:spTgt spid="2">
+                                            <p:txEl>
+                                              <p:pRg st="3" end="3"/>
+                                            </p:txEl>
+                                          </p:spTgt>
+                                        </p:tgtEl>
+                                      </p:cBhvr>
+                                    </p:animEffect>
+                                  </p:childTnLst>
+                                </p:cTn>
+                              </p:par>
+                            </p:childTnLst>
+                          </p:cTn>
+                        </p:par>
+                      </p:childTnLst>
+                    </p:cTn>
+                  </p:par>
+                  <p:par>
+                    <p:cTn id="23" fill="hold">
+                      <p:stCondLst>
+                        <p:cond delay="indefinite"/>
+                      </p:stCondLst>
+                      <p:childTnLst>
+                        <p:par>
+                          <p:cTn id="24" fill="hold">
+                            <p:stCondLst>
+                              <p:cond delay="0"/>
+                            </p:stCondLst>
+                            <p:childTnLst>
+                              <p:par>
+                                <p:cTn id="25" presetID="10" presetClass="entr" presetSubtype="0" fill="hold" nodeType="clickEffect">
+                                  <p:stCondLst>
+                                    <p:cond delay="0"/>
+                                  </p:stCondLst>
+                                  <p:childTnLst>
+                                    <p:set>
+                                      <p:cBhvr>
+                                        <p:cTn id="26" dur="1" fill="hold">
+                                          <p:stCondLst>
+                                            <p:cond delay="0"/>
+                                          </p:stCondLst>
+                                        </p:cTn>
+                                        <p:tgtEl>
+                                          <p:spTgt spid="2">
+                                            <p:txEl>
+                                              <p:pRg st="4" end="4"/>
+                                            </p:txEl>
+                                          </p:spTgt>
+                                        </p:tgtEl>
+                                        <p:attrNameLst>
+                                          <p:attrName>style.visibility</p:attrName>
+                                        </p:attrNameLst>
+                                      </p:cBhvr>
+                                      <p:to>
+                                        <p:strVal val="visible"/>
+                                      </p:to>
+                                    </p:set>
+                                    <p:animEffect transition="in" filter="fade">
+                                      <p:cBhvr>
+                                        <p:cTn id="27" dur="500"/>
+                                        <p:tgtEl>
+                                          <p:spTgt spid="2">
+                                            <p:txEl>
+                                              <p:pRg st="4" end="4"/>
+                                            </p:txEl>
+                                          </p:spTgt>
+                                        </p:tgtEl>
+                                      </p:cBhvr>
+                                    </p:animEffect>
+                                  </p:childTnLst>
+                                </p:cTn>
+                              </p:par>
+                            </p:childTnLst>
+                          </p:cTn>
+                        </p:par>
+                      </p:childTnLst>
+                    </p:cTn>
+                  </p:par>
+                  <p:par>
+                    <p:cTn id="28" fill="hold">
+                      <p:stCondLst>
+                        <p:cond delay="indefinite"/>
+                      </p:stCondLst>
+                      <p:childTnLst>
+                        <p:par>
+                          <p:cTn id="29" fill="hold">
+                            <p:stCondLst>
+                              <p:cond delay="0"/>
+                            </p:stCondLst>
+                            <p:childTnLst>
+                              <p:par>
+                                <p:cTn id="30" presetID="10" presetClass="entr" presetSubtype="0" fill="hold" nodeType="clickEffect">
+                                  <p:stCondLst>
+                                    <p:cond delay="0"/>
+                                  </p:stCondLst>
+                                  <p:childTnLst>
+                                    <p:set>
+                                      <p:cBhvr>
+                                        <p:cTn id="31" dur="1" fill="hold">
+                                          <p:stCondLst>
+                                            <p:cond delay="0"/>
+                                          </p:stCondLst>
+                                        </p:cTn>
+                                        <p:tgtEl>
+                                          <p:spTgt spid="2">
+                                            <p:txEl>
+                                              <p:pRg st="5" end="5"/>
+                                            </p:txEl>
+                                          </p:spTgt>
+                                        </p:tgtEl>
+                                        <p:attrNameLst>
+                                          <p:attrName>style.visibility</p:attrName>
+                                        </p:attrNameLst>
+                                      </p:cBhvr>
+                                      <p:to>
+                                        <p:strVal val="visible"/>
+                                      </p:to>
+                                    </p:set>
+                                    <p:animEffect transition="in" filter="fade">
+                                      <p:cBhvr>
+                                        <p:cTn id="32" dur="500"/>
+                                        <p:tgtEl>
+                                          <p:spTgt spid="2">
+                                            <p:txEl>
+                                              <p:pRg st="5" end="5"/>
+                                            </p:txEl>
+                                          </p:spTgt>
+                                        </p:tgtEl>
+                                      </p:cBhvr>
+                                    </p:animEffect>
+                                  </p:childTnLst>
+                                </p:cTn>
+                              </p:par>
+                            </p:childTnLst>
+                          </p:cTn>
+                        </p:par>
+                      </p:childTnLst>
+                    </p:cTn>
+                  </p:par>
+                  <p:par>
+                    <p:cTn id="33" fill="hold">
+                      <p:stCondLst>
+                        <p:cond delay="indefinite"/>
+                      </p:stCondLst>
+                      <p:childTnLst>
+                        <p:par>
+                          <p:cTn id="34" fill="hold">
+                            <p:stCondLst>
+                              <p:cond delay="0"/>
+                            </p:stCondLst>
+                            <p:childTnLst>
+                              <p:par>
+                                <p:cTn id="35" presetID="10" presetClass="entr" presetSubtype="0" fill="hold" nodeType="clickEffect">
+                                  <p:stCondLst>
+                                    <p:cond delay="0"/>
+                                  </p:stCondLst>
+                                  <p:childTnLst>
+                                    <p:set>
+                                      <p:cBhvr>
+                                        <p:cTn id="36" dur="1" fill="hold">
+                                          <p:stCondLst>
+                                            <p:cond delay="0"/>
+                                          </p:stCondLst>
+                                        </p:cTn>
+                                        <p:tgtEl>
+                                          <p:spTgt spid="2">
+                                            <p:txEl>
+                                              <p:pRg st="6" end="6"/>
+                                            </p:txEl>
+                                          </p:spTgt>
+                                        </p:tgtEl>
+                                        <p:attrNameLst>
+                                          <p:attrName>style.visibility</p:attrName>
+                                        </p:attrNameLst>
+                                      </p:cBhvr>
+                                      <p:to>
+                                        <p:strVal val="visible"/>
+                                      </p:to>
+                                    </p:set>
+                                    <p:animEffect transition="in" filter="fade">
+                                      <p:cBhvr>
+                                        <p:cTn id="37" dur="500"/>
+                                        <p:tgtEl>
+                                          <p:spTgt spid="2">
+                                            <p:txEl>
+                                              <p:pRg st="6" end="6"/>
+                                            </p:txEl>
+                                          </p:spTgt>
+                                        </p:tgtEl>
+                                      </p:cBhvr>
+                                    </p:animEffect>
+                                  </p:childTnLst>
+                                </p:cTn>
+                              </p:par>
+                            </p:childTnLst>
+                          </p:cTn>
+                        </p:par>
+                      </p:childTnLst>
+                    </p:cTn>
+                  </p:par>
+                  <p:par>
+                    <p:cTn id="38" fill="hold">
+                      <p:stCondLst>
+                        <p:cond delay="indefinite"/>
+                      </p:stCondLst>
+                      <p:childTnLst>
+                        <p:par>
+                          <p:cTn id="39" fill="hold">
+                            <p:stCondLst>
+                              <p:cond delay="0"/>
+                            </p:stCondLst>
+                            <p:childTnLst>
+                              <p:par>
+                                <p:cTn id="40" presetID="10" presetClass="entr" presetSubtype="0" fill="hold" nodeType="clickEffect">
+                                  <p:stCondLst>
+                                    <p:cond delay="0"/>
+                                  </p:stCondLst>
+                                  <p:childTnLst>
+                                    <p:set>
+                                      <p:cBhvr>
+                                        <p:cTn id="41" dur="1" fill="hold">
+                                          <p:stCondLst>
+                                            <p:cond delay="0"/>
+                                          </p:stCondLst>
+                                        </p:cTn>
+                                        <p:tgtEl>
+                                          <p:spTgt spid="2">
+                                            <p:txEl>
+                                              <p:pRg st="7" end="7"/>
+                                            </p:txEl>
+                                          </p:spTgt>
+                                        </p:tgtEl>
+                                        <p:attrNameLst>
+                                          <p:attrName>style.visibility</p:attrName>
+                                        </p:attrNameLst>
+                                      </p:cBhvr>
+                                      <p:to>
+                                        <p:strVal val="visible"/>
+                                      </p:to>
+                                    </p:set>
+                                    <p:animEffect transition="in" filter="fade">
+                                      <p:cBhvr>
+                                        <p:cTn id="42" dur="500"/>
+                                        <p:tgtEl>
+                                          <p:spTgt spid="2">
+                                            <p:txEl>
+                                              <p:pRg st="7" end="7"/>
+                                            </p:txEl>
+                                          </p:spTgt>
+                                        </p:tgtEl>
+                                      </p:cBhvr>
+                                    </p:animEffect>
+                                  </p:childTnLst>
+                                </p:cTn>
+                              </p:par>
+                            </p:childTnLst>
+                          </p:cTn>
+                        </p:par>
+                      </p:childTnLst>
+                    </p:cTn>
+                  </p:par>
+                  <p:par>
+                    <p:cTn id="43" fill="hold">
+                      <p:stCondLst>
+                        <p:cond delay="indefinite"/>
+                      </p:stCondLst>
+                      <p:childTnLst>
+                        <p:par>
+                          <p:cTn id="44" fill="hold">
+                            <p:stCondLst>
+                              <p:cond delay="0"/>
+                            </p:stCondLst>
+                            <p:childTnLst>
+                              <p:par>
+                                <p:cTn id="45" presetID="10" presetClass="entr" presetSubtype="0" fill="hold" nodeType="clickEffect">
+                                  <p:stCondLst>
+                                    <p:cond delay="0"/>
+                                  </p:stCondLst>
+                                  <p:childTnLst>
+                                    <p:set>
+                                      <p:cBhvr>
+                                        <p:cTn id="46" dur="1" fill="hold">
+                                          <p:stCondLst>
+                                            <p:cond delay="0"/>
+                                          </p:stCondLst>
+                                        </p:cTn>
+                                        <p:tgtEl>
+                                          <p:spTgt spid="2">
+                                            <p:txEl>
+                                              <p:pRg st="8" end="8"/>
+                                            </p:txEl>
+                                          </p:spTgt>
+                                        </p:tgtEl>
+                                        <p:attrNameLst>
+                                          <p:attrName>style.visibility</p:attrName>
+                                        </p:attrNameLst>
+                                      </p:cBhvr>
+                                      <p:to>
+                                        <p:strVal val="visible"/>
+                                      </p:to>
+                                    </p:set>
+                                    <p:animEffect transition="in" filter="fade">
+                                      <p:cBhvr>
+                                        <p:cTn id="47" dur="500"/>
+                                        <p:tgtEl>
+                                          <p:spTgt spid="2">
+                                            <p:txEl>
+                                              <p:pRg st="8" end="8"/>
+                                            </p:txEl>
+                                          </p:spTgt>
+                                        </p:tgtEl>
+                                      </p:cBhvr>
+                                    </p:animEffect>
+                                  </p:childTnLst>
+                                </p:cTn>
+                              </p:par>
+                            </p:childTnLst>
+                          </p:cTn>
+                        </p:par>
+                      </p:childTnLst>
+                    </p:cTn>
+                  </p:par>
+                </p:childTnLst>
+              </p:cTn>
+              <p:prevCondLst>
+                <p:cond evt="onPrev" delay="0">
+                  <p:tgtEl>
+                    <p:sldTgt/>
+                  </p:tgtEl>
+                </p:cond>
+              </p:prevCondLst>
+              <p:nextCondLst>
+                <p:cond evt="onNext" delay="0">
+                  <p:tgtEl>
+                    <p:sldTgt/>
+                  </p:tgtEl>
+                </p:cond>
+              </p:nextCondLst>
+            </p:seq>
+          </p:childTnLst>
+        </p:cTn>
+      </p:par>
+    </p:tnLst>
+  </p:timing>
+</p:sld>
+</file>
+
+<file path=ppt/slides/slide5.xml><?xml version="1.0" encoding="utf-8"?>
+<p:sld xmlns:a="http://schemas.openxmlformats.org/drawingml/2006/main" xmlns:r="http://schemas.openxmlformats.org/officeDocument/2006/relationships" xmlns:p="http://schemas.openxmlformats.org/presentationml/2006/main">
+  <p:cSld>
+    <p:spTree>
+      <p:nvGrpSpPr>
+        <p:cNvPr id="1" name="">
+          <a:extLst>
+            <a:ext uri="{FF2B5EF4-FFF2-40B4-BE49-F238E27FC236}">
+              <a16:creationId xmlns:a16="http://schemas.microsoft.com/office/drawing/2014/main" id="{426C18F0-2442-D348-4938-8FD998C00136}"/>
+            </a:ext>
+          </a:extLst>
+        </p:cNvPr>
+        <p:cNvGrpSpPr/>
+        <p:nvPr/>
+      </p:nvGrpSpPr>
+      <p:grpSpPr>
+        <a:xfrm>
+          <a:off x="0" y="0"/>
+          <a:ext cx="0" cy="0"/>
+          <a:chOff x="0" y="0"/>
+          <a:chExt cx="0" cy="0"/>
+        </a:xfrm>
+      </p:grpSpPr>
+      <p:sp>
+        <p:nvSpPr>
+          <p:cNvPr id="4" name="Slide Number Placeholder 3">
+            <a:extLst>
+              <a:ext uri="{FF2B5EF4-FFF2-40B4-BE49-F238E27FC236}">
+                <a16:creationId xmlns:a16="http://schemas.microsoft.com/office/drawing/2014/main" id="{CB7D049D-62BD-7BB9-BAE8-401262649E0E}"/>
+              </a:ext>
+            </a:extLst>
+          </p:cNvPr>
+          <p:cNvSpPr>
+            <a:spLocks noGrp="1"/>
+          </p:cNvSpPr>
+          <p:nvPr>
+            <p:ph type="sldNum" sz="quarter" idx="12"/>
+          </p:nvPr>
+        </p:nvSpPr>
+        <p:spPr/>
+        <p:txBody>
+          <a:bodyPr/>
+          <a:lstStyle/>
+          <a:p>
+            <a:fld id="{106E12CD-FCB1-464E-A775-0B83FDDACE03}" type="slidenum">
+              <a:rPr lang="en-US" smtClean="0"/>
+              <a:pPr/>
+              <a:t>4</a:t>
+            </a:fld>
+            <a:endParaRPr lang="en-US" dirty="0"/>
+          </a:p>
+        </p:txBody>
+      </p:sp>
+      <p:sp>
+        <p:nvSpPr>
+          <p:cNvPr id="5" name="Title 1">
+            <a:extLst>
+              <a:ext uri="{FF2B5EF4-FFF2-40B4-BE49-F238E27FC236}">
+                <a16:creationId xmlns:a16="http://schemas.microsoft.com/office/drawing/2014/main" id="{E525071D-E3DD-5375-6CBC-647C8C74BAC1}"/>
+              </a:ext>
+            </a:extLst>
+          </p:cNvPr>
+          <p:cNvSpPr>
+            <a:spLocks noGrp="1"/>
+          </p:cNvSpPr>
+          <p:nvPr>
+            <p:ph type="ctrTitle"/>
+          </p:nvPr>
+        </p:nvSpPr>
+        <p:spPr>
+          <a:xfrm>
+            <a:off x="570677" y="223723"/>
+            <a:ext cx="7772400" cy="808701"/>
+          </a:xfrm>
+        </p:spPr>
+        <p:txBody>
+          <a:bodyPr>
+            <a:normAutofit/>
+          </a:bodyPr>
+          <a:lstStyle/>
+          <a:p>
+            <a:pPr algn="l"/>
+            <a:r>
+              <a:rPr lang="en-US" sz="3600" dirty="0">
+                <a:latin typeface="Times New Roman" panose="02020603050405020304" pitchFamily="18" charset="0"/>
+                <a:cs typeface="Times New Roman" panose="02020603050405020304" pitchFamily="18" charset="0"/>
+              </a:rPr>
+              <a:t>Stakeholder comments</a:t>
+            </a:r>
+          </a:p>
+        </p:txBody>
+      </p:sp>
+      <p:sp>
+        <p:nvSpPr>
+          <p:cNvPr id="2" name="TextBox 1">
+            <a:extLst>
+              <a:ext uri="{FF2B5EF4-FFF2-40B4-BE49-F238E27FC236}">
+                <a16:creationId xmlns:a16="http://schemas.microsoft.com/office/drawing/2014/main" id="{37938F5C-F430-DD3A-B80A-4AEAB41B227F}"/>
+              </a:ext>
+            </a:extLst>
+          </p:cNvPr>
+          <p:cNvSpPr txBox="1"/>
+          <p:nvPr/>
+        </p:nvSpPr>
+        <p:spPr>
+          <a:xfrm>
+            <a:off x="491127" y="1109731"/>
+            <a:ext cx="8116511" cy="3398494"/>
+          </a:xfrm>
+          <a:prstGeom prst="rect">
+            <a:avLst/>
+          </a:prstGeom>
+          <a:noFill/>
+        </p:spPr>
+        <p:txBody>
+          <a:bodyPr wrap="square" rtlCol="0">
+            <a:spAutoFit/>
+          </a:bodyPr>
+          <a:lstStyle/>
+          <a:p>
+            <a:pPr algn="just">
+              <a:lnSpc>
+                <a:spcPts val="2000"/>
+              </a:lnSpc>
+            </a:pPr>
+            <a:r>
+              <a:rPr lang="en-US" sz="1200" b="1" dirty="0">
+                <a:latin typeface="Times New Roman" panose="02020603050405020304" pitchFamily="18" charset="0"/>
+                <a:cs typeface="Times New Roman" panose="02020603050405020304" pitchFamily="18" charset="0"/>
+              </a:rPr>
+              <a:t>a) Melan-A: </a:t>
+            </a:r>
+          </a:p>
+          <a:p>
+            <a:pPr marL="800100" lvl="1" indent="-342900" algn="just">
+              <a:lnSpc>
+                <a:spcPts val="2000"/>
+              </a:lnSpc>
+              <a:buAutoNum type="arabicPeriod"/>
+            </a:pPr>
+            <a:r>
+              <a:rPr lang="en-US" sz="1200" dirty="0">
+                <a:latin typeface="Times New Roman" panose="02020603050405020304" pitchFamily="18" charset="0"/>
+                <a:cs typeface="Times New Roman" panose="02020603050405020304" pitchFamily="18" charset="0"/>
+              </a:rPr>
+              <a:t>It shows </a:t>
+            </a:r>
+            <a:r>
+              <a:rPr lang="en-US" sz="1200" b="1" dirty="0">
+                <a:latin typeface="Times New Roman" panose="02020603050405020304" pitchFamily="18" charset="0"/>
+                <a:cs typeface="Times New Roman" panose="02020603050405020304" pitchFamily="18" charset="0"/>
+              </a:rPr>
+              <a:t>architectural features</a:t>
+            </a:r>
+            <a:r>
+              <a:rPr lang="en-US" sz="1200" dirty="0">
+                <a:latin typeface="Times New Roman" panose="02020603050405020304" pitchFamily="18" charset="0"/>
+                <a:cs typeface="Times New Roman" panose="02020603050405020304" pitchFamily="18" charset="0"/>
+              </a:rPr>
+              <a:t>, i.e., the distribution of melanocytes across the width of the epithelium</a:t>
+            </a:r>
+          </a:p>
+          <a:p>
+            <a:pPr marL="800100" lvl="1" indent="-342900" algn="just">
+              <a:lnSpc>
+                <a:spcPts val="2000"/>
+              </a:lnSpc>
+              <a:buAutoNum type="arabicPeriod"/>
+            </a:pPr>
+            <a:r>
+              <a:rPr lang="en-US" sz="1200" dirty="0">
+                <a:latin typeface="Times New Roman" panose="02020603050405020304" pitchFamily="18" charset="0"/>
+                <a:cs typeface="Times New Roman" panose="02020603050405020304" pitchFamily="18" charset="0"/>
+              </a:rPr>
+              <a:t>High grade features are easy to see</a:t>
+            </a:r>
+          </a:p>
+          <a:p>
+            <a:pPr marL="800100" lvl="1" indent="-342900" algn="just">
+              <a:lnSpc>
+                <a:spcPts val="2000"/>
+              </a:lnSpc>
+              <a:buAutoNum type="arabicPeriod"/>
+            </a:pPr>
+            <a:r>
+              <a:rPr lang="en-US" sz="1200" dirty="0">
+                <a:latin typeface="Times New Roman" panose="02020603050405020304" pitchFamily="18" charset="0"/>
+                <a:cs typeface="Times New Roman" panose="02020603050405020304" pitchFamily="18" charset="0"/>
+              </a:rPr>
+              <a:t>It is relatively robust as compared to other stains</a:t>
+            </a:r>
+          </a:p>
+          <a:p>
+            <a:pPr algn="just">
+              <a:lnSpc>
+                <a:spcPts val="2000"/>
+              </a:lnSpc>
+            </a:pPr>
+            <a:r>
+              <a:rPr lang="en-US" sz="1200" b="1" dirty="0">
+                <a:latin typeface="Times New Roman" panose="02020603050405020304" pitchFamily="18" charset="0"/>
+                <a:cs typeface="Times New Roman" panose="02020603050405020304" pitchFamily="18" charset="0"/>
+              </a:rPr>
+              <a:t>b) Sox10: </a:t>
+            </a:r>
+          </a:p>
+          <a:p>
+            <a:pPr marL="800100" lvl="1" indent="-342900" algn="just">
+              <a:lnSpc>
+                <a:spcPts val="2000"/>
+              </a:lnSpc>
+              <a:buAutoNum type="arabicPeriod"/>
+            </a:pPr>
+            <a:r>
+              <a:rPr lang="en-US" sz="1200" dirty="0">
+                <a:latin typeface="Times New Roman" panose="02020603050405020304" pitchFamily="18" charset="0"/>
+                <a:cs typeface="Times New Roman" panose="02020603050405020304" pitchFamily="18" charset="0"/>
+              </a:rPr>
+              <a:t>It shows both architectural features, and cytological features, i.e., shape and size of melanocytes</a:t>
+            </a:r>
+          </a:p>
+          <a:p>
+            <a:pPr marL="800100" lvl="1" indent="-342900" algn="just">
+              <a:lnSpc>
+                <a:spcPts val="2000"/>
+              </a:lnSpc>
+              <a:buAutoNum type="arabicPeriod"/>
+            </a:pPr>
+            <a:r>
+              <a:rPr lang="en-US" sz="1200" dirty="0">
+                <a:latin typeface="Times New Roman" panose="02020603050405020304" pitchFamily="18" charset="0"/>
+                <a:cs typeface="Times New Roman" panose="02020603050405020304" pitchFamily="18" charset="0"/>
+              </a:rPr>
+              <a:t>Sox10 shows the layer in which we observe the melanocytes</a:t>
+            </a:r>
+          </a:p>
+          <a:p>
+            <a:pPr algn="just">
+              <a:lnSpc>
+                <a:spcPts val="2000"/>
+              </a:lnSpc>
+            </a:pPr>
+            <a:r>
+              <a:rPr lang="en-US" sz="1200" b="1" dirty="0">
+                <a:latin typeface="Times New Roman" panose="02020603050405020304" pitchFamily="18" charset="0"/>
+                <a:cs typeface="Times New Roman" panose="02020603050405020304" pitchFamily="18" charset="0"/>
+              </a:rPr>
+              <a:t>c) H&amp;E</a:t>
+            </a:r>
+          </a:p>
+          <a:p>
+            <a:pPr marL="800100" lvl="1" indent="-342900" algn="just">
+              <a:lnSpc>
+                <a:spcPts val="2000"/>
+              </a:lnSpc>
+              <a:buAutoNum type="arabicPeriod"/>
+            </a:pPr>
+            <a:r>
+              <a:rPr lang="en-US" sz="1200" dirty="0">
+                <a:latin typeface="Times New Roman" panose="02020603050405020304" pitchFamily="18" charset="0"/>
+                <a:cs typeface="Times New Roman" panose="02020603050405020304" pitchFamily="18" charset="0"/>
+              </a:rPr>
+              <a:t>In addition to the features shown by </a:t>
+            </a:r>
+            <a:r>
+              <a:rPr lang="en-US" sz="1200" dirty="0" err="1">
+                <a:latin typeface="Times New Roman" panose="02020603050405020304" pitchFamily="18" charset="0"/>
+                <a:cs typeface="Times New Roman" panose="02020603050405020304" pitchFamily="18" charset="0"/>
+              </a:rPr>
+              <a:t>melan</a:t>
+            </a:r>
+            <a:r>
+              <a:rPr lang="en-US" sz="1200" dirty="0">
+                <a:latin typeface="Times New Roman" panose="02020603050405020304" pitchFamily="18" charset="0"/>
+                <a:cs typeface="Times New Roman" panose="02020603050405020304" pitchFamily="18" charset="0"/>
+              </a:rPr>
+              <a:t>-A and sox10, H&amp;E shows relationship with other cells</a:t>
+            </a:r>
+          </a:p>
+          <a:p>
+            <a:pPr marL="800100" lvl="1" indent="-342900" algn="just">
+              <a:lnSpc>
+                <a:spcPts val="2000"/>
+              </a:lnSpc>
+              <a:buAutoNum type="arabicPeriod"/>
+            </a:pPr>
+            <a:r>
+              <a:rPr lang="en-US" sz="1200" dirty="0">
+                <a:latin typeface="Times New Roman" panose="02020603050405020304" pitchFamily="18" charset="0"/>
+                <a:cs typeface="Times New Roman" panose="02020603050405020304" pitchFamily="18" charset="0"/>
+              </a:rPr>
+              <a:t>It is the first stain that pathologists see to identify if there is any suspicion (of high-grade). In case of suspicion, they check </a:t>
+            </a:r>
+            <a:r>
+              <a:rPr lang="en-US" sz="1200" dirty="0" err="1">
+                <a:latin typeface="Times New Roman" panose="02020603050405020304" pitchFamily="18" charset="0"/>
+                <a:cs typeface="Times New Roman" panose="02020603050405020304" pitchFamily="18" charset="0"/>
+              </a:rPr>
+              <a:t>melan</a:t>
+            </a:r>
+            <a:r>
+              <a:rPr lang="en-US" sz="1200" dirty="0">
+                <a:latin typeface="Times New Roman" panose="02020603050405020304" pitchFamily="18" charset="0"/>
+                <a:cs typeface="Times New Roman" panose="02020603050405020304" pitchFamily="18" charset="0"/>
+              </a:rPr>
+              <a:t>-a and sox10 for evidence</a:t>
+            </a:r>
+          </a:p>
+          <a:p>
+            <a:pPr algn="just">
+              <a:lnSpc>
+                <a:spcPts val="2000"/>
+              </a:lnSpc>
+            </a:pPr>
+            <a:r>
+              <a:rPr lang="en-US" sz="1200" b="1" dirty="0">
+                <a:latin typeface="Times New Roman" panose="02020603050405020304" pitchFamily="18" charset="0"/>
+                <a:cs typeface="Times New Roman" panose="02020603050405020304" pitchFamily="18" charset="0"/>
+              </a:rPr>
+              <a:t>All 3 stains are more or less equally important, like steering wheel, engine, and transmission are important to drive a car</a:t>
+            </a:r>
+            <a:endParaRPr lang="en-US" sz="1200" dirty="0">
+              <a:latin typeface="Times New Roman" panose="02020603050405020304" pitchFamily="18" charset="0"/>
+              <a:cs typeface="Times New Roman" panose="02020603050405020304" pitchFamily="18" charset="0"/>
+            </a:endParaRPr>
+          </a:p>
+          <a:p>
+            <a:pPr marL="342900" indent="-342900" algn="just">
+              <a:lnSpc>
+                <a:spcPts val="2000"/>
+              </a:lnSpc>
+              <a:buAutoNum type="arabicPeriod"/>
+            </a:pPr>
+            <a:endParaRPr lang="en-US" sz="1200" dirty="0">
+              <a:latin typeface="Times New Roman" panose="02020603050405020304" pitchFamily="18" charset="0"/>
+              <a:cs typeface="Times New Roman" panose="02020603050405020304" pitchFamily="18" charset="0"/>
+            </a:endParaRPr>
+          </a:p>
+        </p:txBody>
+      </p:sp>
+    </p:spTree>
+    <p:extLst>
+      <p:ext uri="{BB962C8B-B14F-4D97-AF65-F5344CB8AC3E}">
+        <p14:creationId xmlns:p14="http://schemas.microsoft.com/office/powerpoint/2010/main" val="1243755217"/>
+      </p:ext>
+    </p:extLst>
+  </p:cSld>
+  <p:clrMapOvr>
+    <a:masterClrMapping/>
+  </p:clrMapOvr>
+  <p:timing>
+    <p:tnLst>
+      <p:par>
+        <p:cTn id="1" dur="indefinite" restart="never" nodeType="tmRoot">
+          <p:childTnLst>
+            <p:seq concurrent="1" nextAc="seek">
+              <p:cTn id="2" dur="indefinite" nodeType="mainSeq">
+                <p:childTnLst>
+                  <p:par>
+                    <p:cTn id="3" fill="hold">
+                      <p:stCondLst>
+                        <p:cond delay="indefinite"/>
+                      </p:stCondLst>
+                      <p:childTnLst>
+                        <p:par>
+                          <p:cTn id="4" fill="hold">
+                            <p:stCondLst>
+                              <p:cond delay="0"/>
+                            </p:stCondLst>
+                            <p:childTnLst>
+                              <p:par>
+                                <p:cTn id="5" presetID="10" presetClass="entr" presetSubtype="0" fill="hold" nodeType="clickEffect">
+                                  <p:stCondLst>
+                                    <p:cond delay="0"/>
+                                  </p:stCondLst>
+                                  <p:childTnLst>
+                                    <p:set>
+                                      <p:cBhvr>
+                                        <p:cTn id="6" dur="1" fill="hold">
+                                          <p:stCondLst>
+                                            <p:cond delay="0"/>
+                                          </p:stCondLst>
+                                        </p:cTn>
+                                        <p:tgtEl>
+                                          <p:spTgt spid="2">
+                                            <p:txEl>
+                                              <p:pRg st="0" end="0"/>
+                                            </p:txEl>
+                                          </p:spTgt>
+                                        </p:tgtEl>
+                                        <p:attrNameLst>
+                                          <p:attrName>style.visibility</p:attrName>
+                                        </p:attrNameLst>
+                                      </p:cBhvr>
+                                      <p:to>
+                                        <p:strVal val="visible"/>
+                                      </p:to>
+                                    </p:set>
+                                    <p:animEffect transition="in" filter="fade">
+                                      <p:cBhvr>
+                                        <p:cTn id="7" dur="500"/>
+                                        <p:tgtEl>
+                                          <p:spTgt spid="2">
+                                            <p:txEl>
+                                              <p:pRg st="0" end="0"/>
+                                            </p:txEl>
+                                          </p:spTgt>
+                                        </p:tgtEl>
+                                      </p:cBhvr>
+                                    </p:animEffect>
+                                  </p:childTnLst>
+                                </p:cTn>
+                              </p:par>
+                            </p:childTnLst>
+                          </p:cTn>
+                        </p:par>
+                      </p:childTnLst>
+                    </p:cTn>
+                  </p:par>
+                  <p:par>
+                    <p:cTn id="8" fill="hold">
+                      <p:stCondLst>
+                        <p:cond delay="indefinite"/>
+                      </p:stCondLst>
+                      <p:childTnLst>
+                        <p:par>
+                          <p:cTn id="9" fill="hold">
+                            <p:stCondLst>
+                              <p:cond delay="0"/>
+                            </p:stCondLst>
+                            <p:childTnLst>
+                              <p:par>
+                                <p:cTn id="10" presetID="10" presetClass="entr" presetSubtype="0" fill="hold" nodeType="clickEffect">
+                                  <p:stCondLst>
+                                    <p:cond delay="0"/>
+                                  </p:stCondLst>
+                                  <p:childTnLst>
+                                    <p:set>
+                                      <p:cBhvr>
+                                        <p:cTn id="11" dur="1" fill="hold">
+                                          <p:stCondLst>
+                                            <p:cond delay="0"/>
+                                          </p:stCondLst>
+                                        </p:cTn>
+                                        <p:tgtEl>
+                                          <p:spTgt spid="2">
+                                            <p:txEl>
+                                              <p:pRg st="1" end="1"/>
+                                            </p:txEl>
+                                          </p:spTgt>
+                                        </p:tgtEl>
+                                        <p:attrNameLst>
+                                          <p:attrName>style.visibility</p:attrName>
+                                        </p:attrNameLst>
+                                      </p:cBhvr>
+                                      <p:to>
+                                        <p:strVal val="visible"/>
+                                      </p:to>
+                                    </p:set>
+                                    <p:animEffect transition="in" filter="fade">
+                                      <p:cBhvr>
+                                        <p:cTn id="12" dur="500"/>
+                                        <p:tgtEl>
+                                          <p:spTgt spid="2">
+                                            <p:txEl>
+                                              <p:pRg st="1" end="1"/>
+                                            </p:txEl>
+                                          </p:spTgt>
+                                        </p:tgtEl>
+                                      </p:cBhvr>
+                                    </p:animEffect>
+                                  </p:childTnLst>
+                                </p:cTn>
+                              </p:par>
+                            </p:childTnLst>
+                          </p:cTn>
+                        </p:par>
+                      </p:childTnLst>
+                    </p:cTn>
+                  </p:par>
+                  <p:par>
+                    <p:cTn id="13" fill="hold">
+                      <p:stCondLst>
+                        <p:cond delay="indefinite"/>
+                      </p:stCondLst>
+                      <p:childTnLst>
+                        <p:par>
+                          <p:cTn id="14" fill="hold">
+                            <p:stCondLst>
+                              <p:cond delay="0"/>
+                            </p:stCondLst>
+                            <p:childTnLst>
+                              <p:par>
+                                <p:cTn id="15" presetID="10" presetClass="entr" presetSubtype="0" fill="hold" nodeType="clickEffect">
+                                  <p:stCondLst>
+                                    <p:cond delay="0"/>
+                                  </p:stCondLst>
+                                  <p:childTnLst>
+                                    <p:set>
+                                      <p:cBhvr>
+                                        <p:cTn id="16" dur="1" fill="hold">
+                                          <p:stCondLst>
+                                            <p:cond delay="0"/>
+                                          </p:stCondLst>
+                                        </p:cTn>
+                                        <p:tgtEl>
+                                          <p:spTgt spid="2">
+                                            <p:txEl>
+                                              <p:pRg st="2" end="2"/>
+                                            </p:txEl>
+                                          </p:spTgt>
+                                        </p:tgtEl>
+                                        <p:attrNameLst>
+                                          <p:attrName>style.visibility</p:attrName>
+                                        </p:attrNameLst>
+                                      </p:cBhvr>
+                                      <p:to>
+                                        <p:strVal val="visible"/>
+                                      </p:to>
+                                    </p:set>
+                                    <p:animEffect transition="in" filter="fade">
+                                      <p:cBhvr>
+                                        <p:cTn id="17" dur="500"/>
+                                        <p:tgtEl>
+                                          <p:spTgt spid="2">
+                                            <p:txEl>
+                                              <p:pRg st="2" end="2"/>
+                                            </p:txEl>
+                                          </p:spTgt>
+                                        </p:tgtEl>
+                                      </p:cBhvr>
+                                    </p:animEffect>
+                                  </p:childTnLst>
+                                </p:cTn>
+                              </p:par>
+                            </p:childTnLst>
+                          </p:cTn>
+                        </p:par>
+                      </p:childTnLst>
+                    </p:cTn>
+                  </p:par>
+                  <p:par>
+                    <p:cTn id="18" fill="hold">
+                      <p:stCondLst>
+                        <p:cond delay="indefinite"/>
+                      </p:stCondLst>
+                      <p:childTnLst>
+                        <p:par>
+                          <p:cTn id="19" fill="hold">
+                            <p:stCondLst>
+                              <p:cond delay="0"/>
+                            </p:stCondLst>
+                            <p:childTnLst>
+                              <p:par>
+                                <p:cTn id="20" presetID="10" presetClass="entr" presetSubtype="0" fill="hold" nodeType="clickEffect">
+                                  <p:stCondLst>
+                                    <p:cond delay="0"/>
+                                  </p:stCondLst>
+                                  <p:childTnLst>
+                                    <p:set>
+                                      <p:cBhvr>
+                                        <p:cTn id="21" dur="1" fill="hold">
+                                          <p:stCondLst>
+                                            <p:cond delay="0"/>
+                                          </p:stCondLst>
+                                        </p:cTn>
+                                        <p:tgtEl>
+                                          <p:spTgt spid="2">
+                                            <p:txEl>
+                                              <p:pRg st="3" end="3"/>
+                                            </p:txEl>
+                                          </p:spTgt>
+                                        </p:tgtEl>
+                                        <p:attrNameLst>
+                                          <p:attrName>style.visibility</p:attrName>
+                                        </p:attrNameLst>
+                                      </p:cBhvr>
+                                      <p:to>
+                                        <p:strVal val="visible"/>
+                                      </p:to>
+                                    </p:set>
+                                    <p:animEffect transition="in" filter="fade">
+                                      <p:cBhvr>
+                                        <p:cTn id="22" dur="500"/>
+                                        <p:tgtEl>
+                                          <p:spTgt spid="2">
+                                            <p:txEl>
+                                              <p:pRg st="3" end="3"/>
+                                            </p:txEl>
+                                          </p:spTgt>
+                                        </p:tgtEl>
+                                      </p:cBhvr>
+                                    </p:animEffect>
+                                  </p:childTnLst>
+                                </p:cTn>
+                              </p:par>
+                            </p:childTnLst>
+                          </p:cTn>
+                        </p:par>
+                      </p:childTnLst>
+                    </p:cTn>
+                  </p:par>
+                  <p:par>
+                    <p:cTn id="23" fill="hold">
+                      <p:stCondLst>
+                        <p:cond delay="indefinite"/>
+                      </p:stCondLst>
+                      <p:childTnLst>
+                        <p:par>
+                          <p:cTn id="24" fill="hold">
+                            <p:stCondLst>
+                              <p:cond delay="0"/>
+                            </p:stCondLst>
+                            <p:childTnLst>
+                              <p:par>
+                                <p:cTn id="25" presetID="10" presetClass="entr" presetSubtype="0" fill="hold" nodeType="clickEffect">
+                                  <p:stCondLst>
+                                    <p:cond delay="0"/>
+                                  </p:stCondLst>
+                                  <p:childTnLst>
+                                    <p:set>
+                                      <p:cBhvr>
+                                        <p:cTn id="26" dur="1" fill="hold">
+                                          <p:stCondLst>
+                                            <p:cond delay="0"/>
+                                          </p:stCondLst>
+                                        </p:cTn>
+                                        <p:tgtEl>
+                                          <p:spTgt spid="2">
+                                            <p:txEl>
+                                              <p:pRg st="6" end="6"/>
+                                            </p:txEl>
+                                          </p:spTgt>
+                                        </p:tgtEl>
+                                        <p:attrNameLst>
+                                          <p:attrName>style.visibility</p:attrName>
+                                        </p:attrNameLst>
+                                      </p:cBhvr>
+                                      <p:to>
+                                        <p:strVal val="visible"/>
+                                      </p:to>
+                                    </p:set>
+                                    <p:animEffect transition="in" filter="fade">
+                                      <p:cBhvr>
+                                        <p:cTn id="27" dur="500"/>
+                                        <p:tgtEl>
+                                          <p:spTgt spid="2">
+                                            <p:txEl>
+                                              <p:pRg st="6" end="6"/>
+                                            </p:txEl>
+                                          </p:spTgt>
+                                        </p:tgtEl>
+                                      </p:cBhvr>
+                                    </p:animEffect>
+                                  </p:childTnLst>
+                                </p:cTn>
+                              </p:par>
+                            </p:childTnLst>
+                          </p:cTn>
+                        </p:par>
+                      </p:childTnLst>
+                    </p:cTn>
+                  </p:par>
+                  <p:par>
+                    <p:cTn id="28" fill="hold">
+                      <p:stCondLst>
+                        <p:cond delay="indefinite"/>
+                      </p:stCondLst>
+                      <p:childTnLst>
+                        <p:par>
+                          <p:cTn id="29" fill="hold">
+                            <p:stCondLst>
+                              <p:cond delay="0"/>
+                            </p:stCondLst>
+                            <p:childTnLst>
+                              <p:par>
+                                <p:cTn id="30" presetID="10" presetClass="entr" presetSubtype="0" fill="hold" nodeType="clickEffect">
+                                  <p:stCondLst>
+                                    <p:cond delay="0"/>
+                                  </p:stCondLst>
+                                  <p:childTnLst>
+                                    <p:set>
+                                      <p:cBhvr>
+                                        <p:cTn id="31" dur="1" fill="hold">
+                                          <p:stCondLst>
+                                            <p:cond delay="0"/>
+                                          </p:stCondLst>
+                                        </p:cTn>
+                                        <p:tgtEl>
+                                          <p:spTgt spid="2">
+                                            <p:txEl>
+                                              <p:pRg st="7" end="7"/>
+                                            </p:txEl>
+                                          </p:spTgt>
+                                        </p:tgtEl>
+                                        <p:attrNameLst>
+                                          <p:attrName>style.visibility</p:attrName>
+                                        </p:attrNameLst>
+                                      </p:cBhvr>
+                                      <p:to>
+                                        <p:strVal val="visible"/>
+                                      </p:to>
+                                    </p:set>
+                                    <p:animEffect transition="in" filter="fade">
+                                      <p:cBhvr>
+                                        <p:cTn id="32" dur="500"/>
+                                        <p:tgtEl>
+                                          <p:spTgt spid="2">
+                                            <p:txEl>
+                                              <p:pRg st="7" end="7"/>
+                                            </p:txEl>
+                                          </p:spTgt>
+                                        </p:tgtEl>
+                                      </p:cBhvr>
+                                    </p:animEffect>
+                                  </p:childTnLst>
+                                </p:cTn>
+                              </p:par>
+                            </p:childTnLst>
+                          </p:cTn>
+                        </p:par>
+                      </p:childTnLst>
+                    </p:cTn>
+                  </p:par>
+                  <p:par>
+                    <p:cTn id="33" fill="hold">
+                      <p:stCondLst>
+                        <p:cond delay="indefinite"/>
+                      </p:stCondLst>
+                      <p:childTnLst>
+                        <p:par>
+                          <p:cTn id="34" fill="hold">
+                            <p:stCondLst>
+                              <p:cond delay="0"/>
+                            </p:stCondLst>
+                            <p:childTnLst>
+                              <p:par>
+                                <p:cTn id="35" presetID="10" presetClass="entr" presetSubtype="0" fill="hold" nodeType="clickEffect">
+                                  <p:stCondLst>
+                                    <p:cond delay="0"/>
+                                  </p:stCondLst>
+                                  <p:childTnLst>
+                                    <p:set>
+                                      <p:cBhvr>
+                                        <p:cTn id="36" dur="1" fill="hold">
+                                          <p:stCondLst>
+                                            <p:cond delay="0"/>
+                                          </p:stCondLst>
+                                        </p:cTn>
+                                        <p:tgtEl>
+                                          <p:spTgt spid="2">
+                                            <p:txEl>
+                                              <p:pRg st="8" end="8"/>
+                                            </p:txEl>
+                                          </p:spTgt>
+                                        </p:tgtEl>
+                                        <p:attrNameLst>
+                                          <p:attrName>style.visibility</p:attrName>
+                                        </p:attrNameLst>
+                                      </p:cBhvr>
+                                      <p:to>
+                                        <p:strVal val="visible"/>
+                                      </p:to>
+                                    </p:set>
+                                    <p:animEffect transition="in" filter="fade">
+                                      <p:cBhvr>
+                                        <p:cTn id="37" dur="500"/>
+                                        <p:tgtEl>
+                                          <p:spTgt spid="2">
+                                            <p:txEl>
+                                              <p:pRg st="8" end="8"/>
+                                            </p:txEl>
+                                          </p:spTgt>
+                                        </p:tgtEl>
+                                      </p:cBhvr>
+                                    </p:animEffect>
+                                  </p:childTnLst>
+                                </p:cTn>
+                              </p:par>
+                            </p:childTnLst>
+                          </p:cTn>
+                        </p:par>
+                      </p:childTnLst>
+                    </p:cTn>
+                  </p:par>
+                  <p:par>
+                    <p:cTn id="38" fill="hold">
+                      <p:stCondLst>
+                        <p:cond delay="indefinite"/>
+                      </p:stCondLst>
+                      <p:childTnLst>
+                        <p:par>
+                          <p:cTn id="39" fill="hold">
+                            <p:stCondLst>
+                              <p:cond delay="0"/>
+                            </p:stCondLst>
+                            <p:childTnLst>
+                              <p:par>
+                                <p:cTn id="40" presetID="10" presetClass="entr" presetSubtype="0" fill="hold" nodeType="clickEffect">
+                                  <p:stCondLst>
+                                    <p:cond delay="0"/>
+                                  </p:stCondLst>
+                                  <p:childTnLst>
+                                    <p:set>
+                                      <p:cBhvr>
+                                        <p:cTn id="41" dur="1" fill="hold">
+                                          <p:stCondLst>
+                                            <p:cond delay="0"/>
+                                          </p:stCondLst>
+                                        </p:cTn>
+                                        <p:tgtEl>
+                                          <p:spTgt spid="2">
+                                            <p:txEl>
+                                              <p:pRg st="9" end="9"/>
+                                            </p:txEl>
+                                          </p:spTgt>
+                                        </p:tgtEl>
+                                        <p:attrNameLst>
+                                          <p:attrName>style.visibility</p:attrName>
+                                        </p:attrNameLst>
+                                      </p:cBhvr>
+                                      <p:to>
+                                        <p:strVal val="visible"/>
+                                      </p:to>
+                                    </p:set>
+                                    <p:animEffect transition="in" filter="fade">
+                                      <p:cBhvr>
+                                        <p:cTn id="42" dur="500"/>
+                                        <p:tgtEl>
+                                          <p:spTgt spid="2">
+                                            <p:txEl>
+                                              <p:pRg st="9" end="9"/>
+                                            </p:txEl>
+                                          </p:spTgt>
+                                        </p:tgtEl>
+                                      </p:cBhvr>
+                                    </p:animEffect>
+                                  </p:childTnLst>
+                                </p:cTn>
+                              </p:par>
+                            </p:childTnLst>
+                          </p:cTn>
+                        </p:par>
+                      </p:childTnLst>
+                    </p:cTn>
+                  </p:par>
+                  <p:par>
+                    <p:cTn id="43" fill="hold">
+                      <p:stCondLst>
+                        <p:cond delay="indefinite"/>
+                      </p:stCondLst>
+                      <p:childTnLst>
+                        <p:par>
+                          <p:cTn id="44" fill="hold">
+                            <p:stCondLst>
+                              <p:cond delay="0"/>
+                            </p:stCondLst>
+                            <p:childTnLst>
+                              <p:par>
+                                <p:cTn id="45" presetID="10" presetClass="entr" presetSubtype="0" fill="hold" nodeType="clickEffect">
+                                  <p:stCondLst>
+                                    <p:cond delay="0"/>
+                                  </p:stCondLst>
+                                  <p:childTnLst>
+                                    <p:set>
+                                      <p:cBhvr>
+                                        <p:cTn id="46" dur="1" fill="hold">
+                                          <p:stCondLst>
+                                            <p:cond delay="0"/>
+                                          </p:stCondLst>
+                                        </p:cTn>
+                                        <p:tgtEl>
+                                          <p:spTgt spid="2">
+                                            <p:txEl>
+                                              <p:pRg st="10" end="10"/>
+                                            </p:txEl>
+                                          </p:spTgt>
+                                        </p:tgtEl>
+                                        <p:attrNameLst>
+                                          <p:attrName>style.visibility</p:attrName>
+                                        </p:attrNameLst>
+                                      </p:cBhvr>
+                                      <p:to>
+                                        <p:strVal val="visible"/>
+                                      </p:to>
+                                    </p:set>
+                                    <p:animEffect transition="in" filter="fade">
+                                      <p:cBhvr>
+                                        <p:cTn id="47" dur="500"/>
+                                        <p:tgtEl>
+                                          <p:spTgt spid="2">
+                                            <p:txEl>
+                                              <p:pRg st="10" end="10"/>
+                                            </p:txEl>
+                                          </p:spTgt>
+                                        </p:tgtEl>
+                                      </p:cBhvr>
+                                    </p:animEffect>
+                                  </p:childTnLst>
+                                </p:cTn>
+                              </p:par>
+                            </p:childTnLst>
+                          </p:cTn>
+                        </p:par>
+                      </p:childTnLst>
+                    </p:cTn>
+                  </p:par>
+                  <p:par>
+                    <p:cTn id="48" fill="hold">
+                      <p:stCondLst>
+                        <p:cond delay="indefinite"/>
+                      </p:stCondLst>
+                      <p:childTnLst>
+                        <p:par>
+                          <p:cTn id="49" fill="hold">
+                            <p:stCondLst>
+                              <p:cond delay="0"/>
+                            </p:stCondLst>
+                            <p:childTnLst>
+                              <p:par>
+                                <p:cTn id="50" presetID="10" presetClass="entr" presetSubtype="0" fill="hold" nodeType="clickEffect">
+                                  <p:stCondLst>
+                                    <p:cond delay="0"/>
+                                  </p:stCondLst>
+                                  <p:childTnLst>
+                                    <p:set>
+                                      <p:cBhvr>
+                                        <p:cTn id="51" dur="1" fill="hold">
+                                          <p:stCondLst>
+                                            <p:cond delay="0"/>
+                                          </p:stCondLst>
+                                        </p:cTn>
+                                        <p:tgtEl>
+                                          <p:spTgt spid="2">
+                                            <p:txEl>
+                                              <p:pRg st="4" end="4"/>
+                                            </p:txEl>
+                                          </p:spTgt>
+                                        </p:tgtEl>
+                                        <p:attrNameLst>
+                                          <p:attrName>style.visibility</p:attrName>
+                                        </p:attrNameLst>
+                                      </p:cBhvr>
+                                      <p:to>
+                                        <p:strVal val="visible"/>
+                                      </p:to>
+                                    </p:set>
+                                    <p:animEffect transition="in" filter="fade">
+                                      <p:cBhvr>
+                                        <p:cTn id="52" dur="500"/>
+                                        <p:tgtEl>
+                                          <p:spTgt spid="2">
+                                            <p:txEl>
+                                              <p:pRg st="4" end="4"/>
+                                            </p:txEl>
+                                          </p:spTgt>
+                                        </p:tgtEl>
+                                      </p:cBhvr>
+                                    </p:animEffect>
+                                  </p:childTnLst>
+                                </p:cTn>
+                              </p:par>
+                            </p:childTnLst>
+                          </p:cTn>
+                        </p:par>
+                      </p:childTnLst>
+                    </p:cTn>
+                  </p:par>
+                  <p:par>
+                    <p:cTn id="53" fill="hold">
+                      <p:stCondLst>
+                        <p:cond delay="indefinite"/>
+                      </p:stCondLst>
+                      <p:childTnLst>
+                        <p:par>
+                          <p:cTn id="54" fill="hold">
+                            <p:stCondLst>
+                              <p:cond delay="0"/>
+                            </p:stCondLst>
+                            <p:childTnLst>
+                              <p:par>
+                                <p:cTn id="55" presetID="10" presetClass="entr" presetSubtype="0" fill="hold" nodeType="clickEffect">
+                                  <p:stCondLst>
+                                    <p:cond delay="0"/>
+                                  </p:stCondLst>
+                                  <p:childTnLst>
+                                    <p:set>
+                                      <p:cBhvr>
+                                        <p:cTn id="56" dur="1" fill="hold">
+                                          <p:stCondLst>
+                                            <p:cond delay="0"/>
+                                          </p:stCondLst>
+                                        </p:cTn>
+                                        <p:tgtEl>
+                                          <p:spTgt spid="2">
+                                            <p:txEl>
+                                              <p:pRg st="5" end="5"/>
+                                            </p:txEl>
+                                          </p:spTgt>
+                                        </p:tgtEl>
+                                        <p:attrNameLst>
+                                          <p:attrName>style.visibility</p:attrName>
+                                        </p:attrNameLst>
+                                      </p:cBhvr>
+                                      <p:to>
+                                        <p:strVal val="visible"/>
+                                      </p:to>
+                                    </p:set>
+                                    <p:animEffect transition="in" filter="fade">
+                                      <p:cBhvr>
+                                        <p:cTn id="57" dur="500"/>
+                                        <p:tgtEl>
+                                          <p:spTgt spid="2">
+                                            <p:txEl>
+                                              <p:pRg st="5" end="5"/>
+                                            </p:txEl>
+                                          </p:spTgt>
+                                        </p:tgtEl>
+                                      </p:cBhvr>
+                                    </p:animEffect>
+                                  </p:childTnLst>
+                                </p:cTn>
+                              </p:par>
+                            </p:childTnLst>
+                          </p:cTn>
+                        </p:par>
+                      </p:childTnLst>
+                    </p:cTn>
+                  </p:par>
+                </p:childTnLst>
+              </p:cTn>
+              <p:prevCondLst>
+                <p:cond evt="onPrev" delay="0">
+                  <p:tgtEl>
+                    <p:sldTgt/>
+                  </p:tgtEl>
+                </p:cond>
+              </p:prevCondLst>
+              <p:nextCondLst>
+                <p:cond evt="onNext" delay="0">
+                  <p:tgtEl>
+                    <p:sldTgt/>
+                  </p:tgtEl>
+                </p:cond>
+              </p:nextCondLst>
+            </p:seq>
+          </p:childTnLst>
+        </p:cTn>
+      </p:par>
+    </p:tnLst>
+  </p:timing>
+</p:sld>
+</file>
+
+<file path=ppt/slides/slide6.xml><?xml version="1.0" encoding="utf-8"?>
+<p:sld xmlns:a="http://schemas.openxmlformats.org/drawingml/2006/main" xmlns:r="http://schemas.openxmlformats.org/officeDocument/2006/relationships" xmlns:p="http://schemas.openxmlformats.org/presentationml/2006/main">
+  <p:cSld>
+    <p:spTree>
+      <p:nvGrpSpPr>
+        <p:cNvPr id="1" name="">
+          <a:extLst>
+            <a:ext uri="{FF2B5EF4-FFF2-40B4-BE49-F238E27FC236}">
+              <a16:creationId xmlns:a16="http://schemas.microsoft.com/office/drawing/2014/main" id="{8BB41D46-4706-31CA-216F-CDCE9CDF10C5}"/>
+            </a:ext>
+          </a:extLst>
+        </p:cNvPr>
+        <p:cNvGrpSpPr/>
+        <p:nvPr/>
+      </p:nvGrpSpPr>
+      <p:grpSpPr>
+        <a:xfrm>
+          <a:off x="0" y="0"/>
+          <a:ext cx="0" cy="0"/>
+          <a:chOff x="0" y="0"/>
+          <a:chExt cx="0" cy="0"/>
+        </a:xfrm>
+      </p:grpSpPr>
+      <p:sp>
+        <p:nvSpPr>
+          <p:cNvPr id="4" name="Slide Number Placeholder 3">
+            <a:extLst>
+              <a:ext uri="{FF2B5EF4-FFF2-40B4-BE49-F238E27FC236}">
+                <a16:creationId xmlns:a16="http://schemas.microsoft.com/office/drawing/2014/main" id="{AFA9C203-ED71-343B-8D7E-27FCD744DDD7}"/>
+              </a:ext>
+            </a:extLst>
+          </p:cNvPr>
+          <p:cNvSpPr>
+            <a:spLocks noGrp="1"/>
+          </p:cNvSpPr>
+          <p:nvPr>
+            <p:ph type="sldNum" sz="quarter" idx="12"/>
+          </p:nvPr>
+        </p:nvSpPr>
+        <p:spPr/>
+        <p:txBody>
+          <a:bodyPr/>
+          <a:lstStyle/>
+          <a:p>
+            <a:fld id="{106E12CD-FCB1-464E-A775-0B83FDDACE03}" type="slidenum">
+              <a:rPr lang="en-US" smtClean="0"/>
+              <a:pPr/>
+              <a:t>5</a:t>
+            </a:fld>
+            <a:endParaRPr lang="en-US" dirty="0"/>
+          </a:p>
+        </p:txBody>
+      </p:sp>
+      <p:sp>
+        <p:nvSpPr>
+          <p:cNvPr id="5" name="Title 1">
+            <a:extLst>
+              <a:ext uri="{FF2B5EF4-FFF2-40B4-BE49-F238E27FC236}">
+                <a16:creationId xmlns:a16="http://schemas.microsoft.com/office/drawing/2014/main" id="{20D87F67-094D-22A9-CA86-F3A65EF4C0F3}"/>
+              </a:ext>
+            </a:extLst>
+          </p:cNvPr>
+          <p:cNvSpPr>
+            <a:spLocks noGrp="1"/>
+          </p:cNvSpPr>
+          <p:nvPr>
+            <p:ph type="ctrTitle"/>
+          </p:nvPr>
+        </p:nvSpPr>
+        <p:spPr>
+          <a:xfrm>
+            <a:off x="570677" y="223723"/>
+            <a:ext cx="7772400" cy="808701"/>
+          </a:xfrm>
+        </p:spPr>
+        <p:txBody>
+          <a:bodyPr>
+            <a:normAutofit fontScale="90000"/>
+          </a:bodyPr>
+          <a:lstStyle/>
+          <a:p>
+            <a:pPr algn="l"/>
+            <a:r>
+              <a:rPr lang="en-US" sz="3600" dirty="0">
+                <a:latin typeface="Times New Roman" panose="02020603050405020304" pitchFamily="18" charset="0"/>
+                <a:cs typeface="Times New Roman" panose="02020603050405020304" pitchFamily="18" charset="0"/>
+              </a:rPr>
+              <a:t>Stakeholder comments: Hard-to-classify-benign cases</a:t>
+            </a:r>
+          </a:p>
+        </p:txBody>
+      </p:sp>
+      <p:sp>
+        <p:nvSpPr>
+          <p:cNvPr id="2" name="TextBox 1">
+            <a:extLst>
+              <a:ext uri="{FF2B5EF4-FFF2-40B4-BE49-F238E27FC236}">
+                <a16:creationId xmlns:a16="http://schemas.microsoft.com/office/drawing/2014/main" id="{1EE6FE0B-81B1-DC80-AEE8-F551E88414A4}"/>
+              </a:ext>
+            </a:extLst>
+          </p:cNvPr>
+          <p:cNvSpPr txBox="1"/>
+          <p:nvPr/>
+        </p:nvSpPr>
+        <p:spPr>
+          <a:xfrm>
+            <a:off x="491127" y="1109731"/>
+            <a:ext cx="8116511" cy="3142014"/>
+          </a:xfrm>
+          <a:prstGeom prst="rect">
+            <a:avLst/>
+          </a:prstGeom>
+          <a:noFill/>
+        </p:spPr>
+        <p:txBody>
+          <a:bodyPr wrap="square" rtlCol="0">
+            <a:spAutoFit/>
+          </a:bodyPr>
+          <a:lstStyle/>
+          <a:p>
+            <a:pPr algn="just">
+              <a:lnSpc>
+                <a:spcPts val="2000"/>
+              </a:lnSpc>
+            </a:pPr>
+            <a:r>
+              <a:rPr lang="en-US" sz="1200" b="1" dirty="0">
+                <a:latin typeface="Times New Roman" panose="02020603050405020304" pitchFamily="18" charset="0"/>
+                <a:cs typeface="Times New Roman" panose="02020603050405020304" pitchFamily="18" charset="0"/>
+              </a:rPr>
+              <a:t>a) Case 46</a:t>
+            </a:r>
+          </a:p>
+          <a:p>
+            <a:pPr marL="800100" lvl="1" indent="-342900" algn="just">
+              <a:lnSpc>
+                <a:spcPts val="2000"/>
+              </a:lnSpc>
+              <a:buAutoNum type="arabicPeriod"/>
+            </a:pPr>
+            <a:r>
+              <a:rPr lang="en-US" sz="1200" dirty="0">
+                <a:latin typeface="Times New Roman" panose="02020603050405020304" pitchFamily="18" charset="0"/>
+                <a:cs typeface="Times New Roman" panose="02020603050405020304" pitchFamily="18" charset="0"/>
+              </a:rPr>
+              <a:t>The pale purple cells are goblet cells (google to see). </a:t>
+            </a:r>
+          </a:p>
+          <a:p>
+            <a:pPr marL="800100" lvl="1" indent="-342900" algn="just">
+              <a:lnSpc>
+                <a:spcPts val="2000"/>
+              </a:lnSpc>
+              <a:buAutoNum type="arabicPeriod"/>
+            </a:pPr>
+            <a:r>
+              <a:rPr lang="en-US" sz="1200" dirty="0">
+                <a:latin typeface="Times New Roman" panose="02020603050405020304" pitchFamily="18" charset="0"/>
+                <a:cs typeface="Times New Roman" panose="02020603050405020304" pitchFamily="18" charset="0"/>
+              </a:rPr>
+              <a:t>They are expected in benign cases, and the model should be trained on them</a:t>
+            </a:r>
+          </a:p>
+          <a:p>
+            <a:pPr marL="800100" lvl="1" indent="-342900" algn="just">
+              <a:lnSpc>
+                <a:spcPts val="2000"/>
+              </a:lnSpc>
+              <a:buAutoNum type="arabicPeriod"/>
+            </a:pPr>
+            <a:r>
+              <a:rPr lang="en-US" sz="1200" dirty="0">
+                <a:latin typeface="Times New Roman" panose="02020603050405020304" pitchFamily="18" charset="0"/>
+                <a:cs typeface="Times New Roman" panose="02020603050405020304" pitchFamily="18" charset="0"/>
+              </a:rPr>
+              <a:t>Check if you see goblet cells in training data</a:t>
+            </a:r>
+          </a:p>
+          <a:p>
+            <a:pPr algn="just">
+              <a:lnSpc>
+                <a:spcPts val="2000"/>
+              </a:lnSpc>
+            </a:pPr>
+            <a:r>
+              <a:rPr lang="en-US" sz="1200" b="1" dirty="0">
+                <a:latin typeface="Times New Roman" panose="02020603050405020304" pitchFamily="18" charset="0"/>
+                <a:cs typeface="Times New Roman" panose="02020603050405020304" pitchFamily="18" charset="0"/>
+              </a:rPr>
+              <a:t>b) Case 79</a:t>
+            </a:r>
+          </a:p>
+          <a:p>
+            <a:pPr marL="800100" lvl="1" indent="-342900" algn="just">
+              <a:lnSpc>
+                <a:spcPts val="2000"/>
+              </a:lnSpc>
+              <a:buAutoNum type="arabicPeriod"/>
+            </a:pPr>
+            <a:r>
+              <a:rPr lang="en-US" sz="1200" dirty="0">
+                <a:latin typeface="Times New Roman" panose="02020603050405020304" pitchFamily="18" charset="0"/>
+                <a:cs typeface="Times New Roman" panose="02020603050405020304" pitchFamily="18" charset="0"/>
+              </a:rPr>
+              <a:t>The top part of the epithelium is indeed difficult to classify</a:t>
+            </a:r>
+          </a:p>
+          <a:p>
+            <a:pPr marL="800100" lvl="1" indent="-342900" algn="just">
+              <a:lnSpc>
+                <a:spcPts val="2000"/>
+              </a:lnSpc>
+              <a:buAutoNum type="arabicPeriod"/>
+            </a:pPr>
+            <a:r>
+              <a:rPr lang="en-US" sz="1200" dirty="0">
+                <a:latin typeface="Times New Roman" panose="02020603050405020304" pitchFamily="18" charset="0"/>
+                <a:cs typeface="Times New Roman" panose="02020603050405020304" pitchFamily="18" charset="0"/>
+              </a:rPr>
+              <a:t>An inexperienced ophthalmic pathologist may make a mistake and classify this is high-grade or low-grade if they see only H&amp;E</a:t>
+            </a:r>
+          </a:p>
+          <a:p>
+            <a:pPr marL="800100" lvl="1" indent="-342900" algn="just">
+              <a:lnSpc>
+                <a:spcPts val="2000"/>
+              </a:lnSpc>
+              <a:buAutoNum type="arabicPeriod"/>
+            </a:pPr>
+            <a:r>
+              <a:rPr lang="en-US" sz="1200" dirty="0">
+                <a:latin typeface="Times New Roman" panose="02020603050405020304" pitchFamily="18" charset="0"/>
+                <a:cs typeface="Times New Roman" panose="02020603050405020304" pitchFamily="18" charset="0"/>
+              </a:rPr>
+              <a:t>An experienced pathologist will see </a:t>
+            </a:r>
+            <a:r>
+              <a:rPr lang="en-US" sz="1200" dirty="0" err="1">
+                <a:latin typeface="Times New Roman" panose="02020603050405020304" pitchFamily="18" charset="0"/>
+                <a:cs typeface="Times New Roman" panose="02020603050405020304" pitchFamily="18" charset="0"/>
+              </a:rPr>
+              <a:t>melan</a:t>
+            </a:r>
+            <a:r>
+              <a:rPr lang="en-US" sz="1200" dirty="0">
+                <a:latin typeface="Times New Roman" panose="02020603050405020304" pitchFamily="18" charset="0"/>
+                <a:cs typeface="Times New Roman" panose="02020603050405020304" pitchFamily="18" charset="0"/>
+              </a:rPr>
+              <a:t>-a and sox10 in this case</a:t>
+            </a:r>
+          </a:p>
+          <a:p>
+            <a:pPr marL="800100" lvl="1" indent="-342900" algn="just">
+              <a:lnSpc>
+                <a:spcPts val="2000"/>
+              </a:lnSpc>
+              <a:buAutoNum type="arabicPeriod"/>
+            </a:pPr>
+            <a:r>
+              <a:rPr lang="en-US" sz="1200" dirty="0">
+                <a:latin typeface="Times New Roman" panose="02020603050405020304" pitchFamily="18" charset="0"/>
+                <a:cs typeface="Times New Roman" panose="02020603050405020304" pitchFamily="18" charset="0"/>
+              </a:rPr>
+              <a:t>The cells that you see are keratinocytes – they can look bigger and more pink, similar to high-grade. </a:t>
+            </a:r>
+          </a:p>
+          <a:p>
+            <a:pPr marL="800100" lvl="1" indent="-342900" algn="just">
+              <a:lnSpc>
+                <a:spcPts val="2000"/>
+              </a:lnSpc>
+              <a:buAutoNum type="arabicPeriod"/>
+            </a:pPr>
+            <a:r>
+              <a:rPr lang="en-US" sz="1200" dirty="0">
+                <a:latin typeface="Times New Roman" panose="02020603050405020304" pitchFamily="18" charset="0"/>
+                <a:cs typeface="Times New Roman" panose="02020603050405020304" pitchFamily="18" charset="0"/>
+              </a:rPr>
+              <a:t>Model should see more immune (</a:t>
+            </a:r>
+            <a:r>
+              <a:rPr lang="en-US" sz="1200" dirty="0" err="1">
+                <a:latin typeface="Times New Roman" panose="02020603050405020304" pitchFamily="18" charset="0"/>
+                <a:cs typeface="Times New Roman" panose="02020603050405020304" pitchFamily="18" charset="0"/>
+              </a:rPr>
+              <a:t>melan</a:t>
+            </a:r>
+            <a:r>
+              <a:rPr lang="en-US" sz="1200" dirty="0">
+                <a:latin typeface="Times New Roman" panose="02020603050405020304" pitchFamily="18" charset="0"/>
+                <a:cs typeface="Times New Roman" panose="02020603050405020304" pitchFamily="18" charset="0"/>
+              </a:rPr>
+              <a:t>-a and sox10) to confirm suspicion</a:t>
+            </a:r>
+          </a:p>
+          <a:p>
+            <a:pPr algn="just">
+              <a:lnSpc>
+                <a:spcPts val="2000"/>
+              </a:lnSpc>
+            </a:pPr>
+            <a:endParaRPr lang="en-US" sz="1200" dirty="0">
+              <a:latin typeface="Times New Roman" panose="02020603050405020304" pitchFamily="18" charset="0"/>
+              <a:cs typeface="Times New Roman" panose="02020603050405020304" pitchFamily="18" charset="0"/>
+            </a:endParaRPr>
+          </a:p>
+        </p:txBody>
+      </p:sp>
+    </p:spTree>
+    <p:extLst>
+      <p:ext uri="{BB962C8B-B14F-4D97-AF65-F5344CB8AC3E}">
+        <p14:creationId xmlns:p14="http://schemas.microsoft.com/office/powerpoint/2010/main" val="3071124806"/>
+      </p:ext>
+    </p:extLst>
+  </p:cSld>
+  <p:clrMapOvr>
+    <a:masterClrMapping/>
+  </p:clrMapOvr>
+  <p:timing>
+    <p:tnLst>
+      <p:par>
+        <p:cTn id="1" dur="indefinite" restart="never" nodeType="tmRoot">
+          <p:childTnLst>
+            <p:seq concurrent="1" nextAc="seek">
+              <p:cTn id="2" dur="indefinite" nodeType="mainSeq">
+                <p:childTnLst>
+                  <p:par>
+                    <p:cTn id="3" fill="hold">
+                      <p:stCondLst>
+                        <p:cond delay="indefinite"/>
+                      </p:stCondLst>
+                      <p:childTnLst>
+                        <p:par>
+                          <p:cTn id="4" fill="hold">
+                            <p:stCondLst>
+                              <p:cond delay="0"/>
+                            </p:stCondLst>
+                            <p:childTnLst>
+                              <p:par>
+                                <p:cTn id="5" presetID="10" presetClass="entr" presetSubtype="0" fill="hold" nodeType="clickEffect">
+                                  <p:stCondLst>
+                                    <p:cond delay="0"/>
+                                  </p:stCondLst>
+                                  <p:childTnLst>
+                                    <p:set>
+                                      <p:cBhvr>
+                                        <p:cTn id="6" dur="1" fill="hold">
+                                          <p:stCondLst>
+                                            <p:cond delay="0"/>
+                                          </p:stCondLst>
+                                        </p:cTn>
+                                        <p:tgtEl>
+                                          <p:spTgt spid="2">
+                                            <p:txEl>
+                                              <p:pRg st="0" end="0"/>
+                                            </p:txEl>
+                                          </p:spTgt>
+                                        </p:tgtEl>
+                                        <p:attrNameLst>
+                                          <p:attrName>style.visibility</p:attrName>
+                                        </p:attrNameLst>
+                                      </p:cBhvr>
+                                      <p:to>
+                                        <p:strVal val="visible"/>
+                                      </p:to>
+                                    </p:set>
+                                    <p:animEffect transition="in" filter="fade">
+                                      <p:cBhvr>
+                                        <p:cTn id="7" dur="500"/>
+                                        <p:tgtEl>
+                                          <p:spTgt spid="2">
+                                            <p:txEl>
+                                              <p:pRg st="0" end="0"/>
+                                            </p:txEl>
+                                          </p:spTgt>
+                                        </p:tgtEl>
+                                      </p:cBhvr>
+                                    </p:animEffect>
+                                  </p:childTnLst>
+                                </p:cTn>
+                              </p:par>
+                            </p:childTnLst>
+                          </p:cTn>
+                        </p:par>
+                      </p:childTnLst>
+                    </p:cTn>
+                  </p:par>
+                  <p:par>
+                    <p:cTn id="8" fill="hold">
+                      <p:stCondLst>
+                        <p:cond delay="indefinite"/>
+                      </p:stCondLst>
+                      <p:childTnLst>
+                        <p:par>
+                          <p:cTn id="9" fill="hold">
+                            <p:stCondLst>
+                              <p:cond delay="0"/>
+                            </p:stCondLst>
+                            <p:childTnLst>
+                              <p:par>
+                                <p:cTn id="10" presetID="10" presetClass="entr" presetSubtype="0" fill="hold" nodeType="clickEffect">
+                                  <p:stCondLst>
+                                    <p:cond delay="0"/>
+                                  </p:stCondLst>
+                                  <p:childTnLst>
+                                    <p:set>
+                                      <p:cBhvr>
+                                        <p:cTn id="11" dur="1" fill="hold">
+                                          <p:stCondLst>
+                                            <p:cond delay="0"/>
+                                          </p:stCondLst>
+                                        </p:cTn>
+                                        <p:tgtEl>
+                                          <p:spTgt spid="2">
+                                            <p:txEl>
+                                              <p:pRg st="1" end="1"/>
+                                            </p:txEl>
+                                          </p:spTgt>
+                                        </p:tgtEl>
+                                        <p:attrNameLst>
+                                          <p:attrName>style.visibility</p:attrName>
+                                        </p:attrNameLst>
+                                      </p:cBhvr>
+                                      <p:to>
+                                        <p:strVal val="visible"/>
+                                      </p:to>
+                                    </p:set>
+                                    <p:animEffect transition="in" filter="fade">
+                                      <p:cBhvr>
+                                        <p:cTn id="12" dur="500"/>
+                                        <p:tgtEl>
+                                          <p:spTgt spid="2">
+                                            <p:txEl>
+                                              <p:pRg st="1" end="1"/>
+                                            </p:txEl>
+                                          </p:spTgt>
+                                        </p:tgtEl>
+                                      </p:cBhvr>
+                                    </p:animEffect>
+                                  </p:childTnLst>
+                                </p:cTn>
+                              </p:par>
+                            </p:childTnLst>
+                          </p:cTn>
+                        </p:par>
+                      </p:childTnLst>
+                    </p:cTn>
+                  </p:par>
+                  <p:par>
+                    <p:cTn id="13" fill="hold">
+                      <p:stCondLst>
+                        <p:cond delay="indefinite"/>
+                      </p:stCondLst>
+                      <p:childTnLst>
+                        <p:par>
+                          <p:cTn id="14" fill="hold">
+                            <p:stCondLst>
+                              <p:cond delay="0"/>
+                            </p:stCondLst>
+                            <p:childTnLst>
+                              <p:par>
+                                <p:cTn id="15" presetID="10" presetClass="entr" presetSubtype="0" fill="hold" nodeType="clickEffect">
+                                  <p:stCondLst>
+                                    <p:cond delay="0"/>
+                                  </p:stCondLst>
+                                  <p:childTnLst>
+                                    <p:set>
+                                      <p:cBhvr>
+                                        <p:cTn id="16" dur="1" fill="hold">
+                                          <p:stCondLst>
+                                            <p:cond delay="0"/>
+                                          </p:stCondLst>
+                                        </p:cTn>
+                                        <p:tgtEl>
+                                          <p:spTgt spid="2">
+                                            <p:txEl>
+                                              <p:pRg st="2" end="2"/>
+                                            </p:txEl>
+                                          </p:spTgt>
+                                        </p:tgtEl>
+                                        <p:attrNameLst>
+                                          <p:attrName>style.visibility</p:attrName>
+                                        </p:attrNameLst>
+                                      </p:cBhvr>
+                                      <p:to>
+                                        <p:strVal val="visible"/>
+                                      </p:to>
+                                    </p:set>
+                                    <p:animEffect transition="in" filter="fade">
+                                      <p:cBhvr>
+                                        <p:cTn id="17" dur="500"/>
+                                        <p:tgtEl>
+                                          <p:spTgt spid="2">
+                                            <p:txEl>
+                                              <p:pRg st="2" end="2"/>
+                                            </p:txEl>
+                                          </p:spTgt>
+                                        </p:tgtEl>
+                                      </p:cBhvr>
+                                    </p:animEffect>
+                                  </p:childTnLst>
+                                </p:cTn>
+                              </p:par>
+                            </p:childTnLst>
+                          </p:cTn>
+                        </p:par>
+                      </p:childTnLst>
+                    </p:cTn>
+                  </p:par>
+                  <p:par>
+                    <p:cTn id="18" fill="hold">
+                      <p:stCondLst>
+                        <p:cond delay="indefinite"/>
+                      </p:stCondLst>
+                      <p:childTnLst>
+                        <p:par>
+                          <p:cTn id="19" fill="hold">
+                            <p:stCondLst>
+                              <p:cond delay="0"/>
+                            </p:stCondLst>
+                            <p:childTnLst>
+                              <p:par>
+                                <p:cTn id="20" presetID="10" presetClass="entr" presetSubtype="0" fill="hold" nodeType="clickEffect">
+                                  <p:stCondLst>
+                                    <p:cond delay="0"/>
+                                  </p:stCondLst>
+                                  <p:childTnLst>
+                                    <p:set>
+                                      <p:cBhvr>
+                                        <p:cTn id="21" dur="1" fill="hold">
+                                          <p:stCondLst>
+                                            <p:cond delay="0"/>
+                                          </p:stCondLst>
+                                        </p:cTn>
+                                        <p:tgtEl>
+                                          <p:spTgt spid="2">
+                                            <p:txEl>
+                                              <p:pRg st="3" end="3"/>
+                                            </p:txEl>
+                                          </p:spTgt>
+                                        </p:tgtEl>
+                                        <p:attrNameLst>
+                                          <p:attrName>style.visibility</p:attrName>
+                                        </p:attrNameLst>
+                                      </p:cBhvr>
+                                      <p:to>
+                                        <p:strVal val="visible"/>
+                                      </p:to>
+                                    </p:set>
+                                    <p:animEffect transition="in" filter="fade">
+                                      <p:cBhvr>
+                                        <p:cTn id="22" dur="500"/>
+                                        <p:tgtEl>
+                                          <p:spTgt spid="2">
+                                            <p:txEl>
+                                              <p:pRg st="3" end="3"/>
+                                            </p:txEl>
+                                          </p:spTgt>
+                                        </p:tgtEl>
+                                      </p:cBhvr>
+                                    </p:animEffect>
+                                  </p:childTnLst>
+                                </p:cTn>
+                              </p:par>
+                            </p:childTnLst>
+                          </p:cTn>
+                        </p:par>
+                      </p:childTnLst>
+                    </p:cTn>
+                  </p:par>
+                  <p:par>
+                    <p:cTn id="23" fill="hold">
+                      <p:stCondLst>
+                        <p:cond delay="indefinite"/>
+                      </p:stCondLst>
+                      <p:childTnLst>
+                        <p:par>
+                          <p:cTn id="24" fill="hold">
+                            <p:stCondLst>
+                              <p:cond delay="0"/>
+                            </p:stCondLst>
+                            <p:childTnLst>
+                              <p:par>
+                                <p:cTn id="25" presetID="10" presetClass="entr" presetSubtype="0" fill="hold" nodeType="clickEffect">
+                                  <p:stCondLst>
+                                    <p:cond delay="0"/>
+                                  </p:stCondLst>
+                                  <p:childTnLst>
+                                    <p:set>
+                                      <p:cBhvr>
+                                        <p:cTn id="26" dur="1" fill="hold">
+                                          <p:stCondLst>
+                                            <p:cond delay="0"/>
+                                          </p:stCondLst>
+                                        </p:cTn>
+                                        <p:tgtEl>
+                                          <p:spTgt spid="2">
+                                            <p:txEl>
+                                              <p:pRg st="6" end="6"/>
+                                            </p:txEl>
+                                          </p:spTgt>
+                                        </p:tgtEl>
+                                        <p:attrNameLst>
+                                          <p:attrName>style.visibility</p:attrName>
+                                        </p:attrNameLst>
+                                      </p:cBhvr>
+                                      <p:to>
+                                        <p:strVal val="visible"/>
+                                      </p:to>
+                                    </p:set>
+                                    <p:animEffect transition="in" filter="fade">
+                                      <p:cBhvr>
+                                        <p:cTn id="27" dur="500"/>
+                                        <p:tgtEl>
+                                          <p:spTgt spid="2">
+                                            <p:txEl>
+                                              <p:pRg st="6" end="6"/>
+                                            </p:txEl>
+                                          </p:spTgt>
+                                        </p:tgtEl>
+                                      </p:cBhvr>
+                                    </p:animEffect>
+                                  </p:childTnLst>
+                                </p:cTn>
+                              </p:par>
+                            </p:childTnLst>
+                          </p:cTn>
+                        </p:par>
+                      </p:childTnLst>
+                    </p:cTn>
+                  </p:par>
+                  <p:par>
+                    <p:cTn id="28" fill="hold">
+                      <p:stCondLst>
+                        <p:cond delay="indefinite"/>
+                      </p:stCondLst>
+                      <p:childTnLst>
+                        <p:par>
+                          <p:cTn id="29" fill="hold">
+                            <p:stCondLst>
+                              <p:cond delay="0"/>
+                            </p:stCondLst>
+                            <p:childTnLst>
+                              <p:par>
+                                <p:cTn id="30" presetID="10" presetClass="entr" presetSubtype="0" fill="hold" nodeType="clickEffect">
+                                  <p:stCondLst>
+                                    <p:cond delay="0"/>
+                                  </p:stCondLst>
+                                  <p:childTnLst>
+                                    <p:set>
+                                      <p:cBhvr>
+                                        <p:cTn id="31" dur="1" fill="hold">
+                                          <p:stCondLst>
+                                            <p:cond delay="0"/>
+                                          </p:stCondLst>
+                                        </p:cTn>
+                                        <p:tgtEl>
+                                          <p:spTgt spid="2">
+                                            <p:txEl>
+                                              <p:pRg st="7" end="7"/>
+                                            </p:txEl>
+                                          </p:spTgt>
+                                        </p:tgtEl>
+                                        <p:attrNameLst>
+                                          <p:attrName>style.visibility</p:attrName>
+                                        </p:attrNameLst>
+                                      </p:cBhvr>
+                                      <p:to>
+                                        <p:strVal val="visible"/>
+                                      </p:to>
+                                    </p:set>
+                                    <p:animEffect transition="in" filter="fade">
+                                      <p:cBhvr>
+                                        <p:cTn id="32" dur="500"/>
+                                        <p:tgtEl>
+                                          <p:spTgt spid="2">
+                                            <p:txEl>
+                                              <p:pRg st="7" end="7"/>
+                                            </p:txEl>
+                                          </p:spTgt>
+                                        </p:tgtEl>
+                                      </p:cBhvr>
+                                    </p:animEffect>
+                                  </p:childTnLst>
+                                </p:cTn>
+                              </p:par>
+                            </p:childTnLst>
+                          </p:cTn>
+                        </p:par>
+                      </p:childTnLst>
+                    </p:cTn>
+                  </p:par>
+                  <p:par>
+                    <p:cTn id="33" fill="hold">
+                      <p:stCondLst>
+                        <p:cond delay="indefinite"/>
+                      </p:stCondLst>
+                      <p:childTnLst>
+                        <p:par>
+                          <p:cTn id="34" fill="hold">
+                            <p:stCondLst>
+                              <p:cond delay="0"/>
+                            </p:stCondLst>
+                            <p:childTnLst>
+                              <p:par>
+                                <p:cTn id="35" presetID="10" presetClass="entr" presetSubtype="0" fill="hold" nodeType="clickEffect">
+                                  <p:stCondLst>
+                                    <p:cond delay="0"/>
+                                  </p:stCondLst>
+                                  <p:childTnLst>
+                                    <p:set>
+                                      <p:cBhvr>
+                                        <p:cTn id="36" dur="1" fill="hold">
+                                          <p:stCondLst>
+                                            <p:cond delay="0"/>
+                                          </p:stCondLst>
+                                        </p:cTn>
+                                        <p:tgtEl>
+                                          <p:spTgt spid="2">
+                                            <p:txEl>
+                                              <p:pRg st="8" end="8"/>
+                                            </p:txEl>
+                                          </p:spTgt>
+                                        </p:tgtEl>
+                                        <p:attrNameLst>
+                                          <p:attrName>style.visibility</p:attrName>
+                                        </p:attrNameLst>
+                                      </p:cBhvr>
+                                      <p:to>
+                                        <p:strVal val="visible"/>
+                                      </p:to>
+                                    </p:set>
+                                    <p:animEffect transition="in" filter="fade">
+                                      <p:cBhvr>
+                                        <p:cTn id="37" dur="500"/>
+                                        <p:tgtEl>
+                                          <p:spTgt spid="2">
+                                            <p:txEl>
+                                              <p:pRg st="8" end="8"/>
+                                            </p:txEl>
+                                          </p:spTgt>
+                                        </p:tgtEl>
+                                      </p:cBhvr>
+                                    </p:animEffect>
+                                  </p:childTnLst>
+                                </p:cTn>
+                              </p:par>
+                            </p:childTnLst>
+                          </p:cTn>
+                        </p:par>
+                      </p:childTnLst>
+                    </p:cTn>
+                  </p:par>
+                  <p:par>
+                    <p:cTn id="38" fill="hold">
+                      <p:stCondLst>
+                        <p:cond delay="indefinite"/>
+                      </p:stCondLst>
+                      <p:childTnLst>
+                        <p:par>
+                          <p:cTn id="39" fill="hold">
+                            <p:stCondLst>
+                              <p:cond delay="0"/>
+                            </p:stCondLst>
+                            <p:childTnLst>
+                              <p:par>
+                                <p:cTn id="40" presetID="10" presetClass="entr" presetSubtype="0" fill="hold" nodeType="clickEffect">
+                                  <p:stCondLst>
+                                    <p:cond delay="0"/>
+                                  </p:stCondLst>
+                                  <p:childTnLst>
+                                    <p:set>
+                                      <p:cBhvr>
+                                        <p:cTn id="41" dur="1" fill="hold">
+                                          <p:stCondLst>
+                                            <p:cond delay="0"/>
+                                          </p:stCondLst>
+                                        </p:cTn>
+                                        <p:tgtEl>
+                                          <p:spTgt spid="2">
+                                            <p:txEl>
+                                              <p:pRg st="9" end="9"/>
+                                            </p:txEl>
+                                          </p:spTgt>
+                                        </p:tgtEl>
+                                        <p:attrNameLst>
+                                          <p:attrName>style.visibility</p:attrName>
+                                        </p:attrNameLst>
+                                      </p:cBhvr>
+                                      <p:to>
+                                        <p:strVal val="visible"/>
+                                      </p:to>
+                                    </p:set>
+                                    <p:animEffect transition="in" filter="fade">
+                                      <p:cBhvr>
+                                        <p:cTn id="42" dur="500"/>
+                                        <p:tgtEl>
+                                          <p:spTgt spid="2">
+                                            <p:txEl>
+                                              <p:pRg st="9" end="9"/>
+                                            </p:txEl>
+                                          </p:spTgt>
+                                        </p:tgtEl>
+                                      </p:cBhvr>
+                                    </p:animEffect>
+                                  </p:childTnLst>
+                                </p:cTn>
+                              </p:par>
+                            </p:childTnLst>
+                          </p:cTn>
+                        </p:par>
+                      </p:childTnLst>
+                    </p:cTn>
+                  </p:par>
+                  <p:par>
+                    <p:cTn id="43" fill="hold">
+                      <p:stCondLst>
+                        <p:cond delay="indefinite"/>
+                      </p:stCondLst>
+                      <p:childTnLst>
+                        <p:par>
+                          <p:cTn id="44" fill="hold">
+                            <p:stCondLst>
+                              <p:cond delay="0"/>
+                            </p:stCondLst>
+                            <p:childTnLst>
+                              <p:par>
+                                <p:cTn id="45" presetID="10" presetClass="entr" presetSubtype="0" fill="hold" nodeType="clickEffect">
+                                  <p:stCondLst>
+                                    <p:cond delay="0"/>
+                                  </p:stCondLst>
+                                  <p:childTnLst>
+                                    <p:set>
+                                      <p:cBhvr>
+                                        <p:cTn id="46" dur="1" fill="hold">
+                                          <p:stCondLst>
+                                            <p:cond delay="0"/>
+                                          </p:stCondLst>
+                                        </p:cTn>
+                                        <p:tgtEl>
+                                          <p:spTgt spid="2">
+                                            <p:txEl>
+                                              <p:pRg st="4" end="4"/>
+                                            </p:txEl>
+                                          </p:spTgt>
+                                        </p:tgtEl>
+                                        <p:attrNameLst>
+                                          <p:attrName>style.visibility</p:attrName>
+                                        </p:attrNameLst>
+                                      </p:cBhvr>
+                                      <p:to>
+                                        <p:strVal val="visible"/>
+                                      </p:to>
+                                    </p:set>
+                                    <p:animEffect transition="in" filter="fade">
+                                      <p:cBhvr>
+                                        <p:cTn id="47" dur="500"/>
+                                        <p:tgtEl>
+                                          <p:spTgt spid="2">
+                                            <p:txEl>
+                                              <p:pRg st="4" end="4"/>
+                                            </p:txEl>
+                                          </p:spTgt>
+                                        </p:tgtEl>
+                                      </p:cBhvr>
+                                    </p:animEffect>
+                                  </p:childTnLst>
+                                </p:cTn>
+                              </p:par>
+                            </p:childTnLst>
+                          </p:cTn>
+                        </p:par>
+                      </p:childTnLst>
+                    </p:cTn>
+                  </p:par>
+                  <p:par>
+                    <p:cTn id="48" fill="hold">
+                      <p:stCondLst>
+                        <p:cond delay="indefinite"/>
+                      </p:stCondLst>
+                      <p:childTnLst>
+                        <p:par>
+                          <p:cTn id="49" fill="hold">
+                            <p:stCondLst>
+                              <p:cond delay="0"/>
+                            </p:stCondLst>
+                            <p:childTnLst>
+                              <p:par>
+                                <p:cTn id="50" presetID="10" presetClass="entr" presetSubtype="0" fill="hold" nodeType="clickEffect">
+                                  <p:stCondLst>
+                                    <p:cond delay="0"/>
+                                  </p:stCondLst>
+                                  <p:childTnLst>
+                                    <p:set>
+                                      <p:cBhvr>
+                                        <p:cTn id="51" dur="1" fill="hold">
+                                          <p:stCondLst>
+                                            <p:cond delay="0"/>
+                                          </p:stCondLst>
+                                        </p:cTn>
+                                        <p:tgtEl>
+                                          <p:spTgt spid="2">
+                                            <p:txEl>
+                                              <p:pRg st="5" end="5"/>
+                                            </p:txEl>
+                                          </p:spTgt>
+                                        </p:tgtEl>
+                                        <p:attrNameLst>
+                                          <p:attrName>style.visibility</p:attrName>
+                                        </p:attrNameLst>
+                                      </p:cBhvr>
+                                      <p:to>
+                                        <p:strVal val="visible"/>
+                                      </p:to>
+                                    </p:set>
+                                    <p:animEffect transition="in" filter="fade">
+                                      <p:cBhvr>
+                                        <p:cTn id="52" dur="500"/>
+                                        <p:tgtEl>
+                                          <p:spTgt spid="2">
+                                            <p:txEl>
+                                              <p:pRg st="5" end="5"/>
                                             </p:txEl>
                                           </p:spTgt>
                                         </p:tgtEl>

--- a/Presentations/MIL/CMIL_classification_model_analysis_next_steps.pptx
+++ b/Presentations/MIL/CMIL_classification_model_analysis_next_steps.pptx
@@ -537,7 +537,7 @@
           <a:p>
             <a:fld id="{DE6D1952-4C8C-594A-8D47-CC3EBD31CD69}" type="datetimeFigureOut">
               <a:rPr lang="en-US" smtClean="0"/>
-              <a:t>11/12/2025</a:t>
+              <a:t>11/18/2025</a:t>
             </a:fld>
             <a:endParaRPr lang="en-US"/>
           </a:p>
@@ -703,7 +703,7 @@
           <a:p>
             <a:fld id="{5AE82BA9-193E-D440-8A2C-9653656F2AE3}" type="datetimeFigureOut">
               <a:rPr lang="en-US" smtClean="0"/>
-              <a:t>11/12/2025</a:t>
+              <a:t>11/18/2025</a:t>
             </a:fld>
             <a:endParaRPr lang="en-US"/>
           </a:p>
@@ -1851,7 +1851,7 @@
             <a:fld id="{B362BA78-8688-C546-A03A-2A39F84C0B58}" type="datetime1">
               <a:rPr lang="en-US" smtClean="0"/>
               <a:pPr/>
-              <a:t>11/12/2025</a:t>
+              <a:t>11/18/2025</a:t>
             </a:fld>
             <a:endParaRPr lang="en-US"/>
           </a:p>
@@ -2071,7 +2071,7 @@
             <a:fld id="{EF5B9135-15EF-DE46-84CC-16626B0FAF7F}" type="datetime1">
               <a:rPr lang="en-US" smtClean="0"/>
               <a:pPr/>
-              <a:t>11/12/2025</a:t>
+              <a:t>11/18/2025</a:t>
             </a:fld>
             <a:endParaRPr lang="en-US"/>
           </a:p>
@@ -2319,7 +2319,7 @@
           <a:p>
             <a:fld id="{99477ADD-011F-3541-9724-9C7FC92455D5}" type="datetime1">
               <a:rPr lang="en-US" smtClean="0"/>
-              <a:t>11/12/2025</a:t>
+              <a:t>11/18/2025</a:t>
             </a:fld>
             <a:endParaRPr lang="en-US"/>
           </a:p>
@@ -2433,7 +2433,7 @@
             <a:fld id="{D3421027-4EC0-9C48-8CFB-B8A3104CB056}" type="datetime1">
               <a:rPr lang="en-US" smtClean="0"/>
               <a:pPr/>
-              <a:t>11/12/2025</a:t>
+              <a:t>11/18/2025</a:t>
             </a:fld>
             <a:endParaRPr lang="en-US"/>
           </a:p>
@@ -2709,7 +2709,7 @@
           <a:p>
             <a:fld id="{D98C176C-065F-124D-AAA4-94F2B7A2EC7C}" type="datetime1">
               <a:rPr lang="en-US" smtClean="0"/>
-              <a:t>11/12/2025</a:t>
+              <a:t>11/18/2025</a:t>
             </a:fld>
             <a:endParaRPr lang="en-US"/>
           </a:p>
@@ -2931,7 +2931,7 @@
             <a:fld id="{B9AB8213-A564-3C44-8CA0-968996562138}" type="datetime1">
               <a:rPr lang="en-US" smtClean="0"/>
               <a:pPr/>
-              <a:t>11/12/2025</a:t>
+              <a:t>11/18/2025</a:t>
             </a:fld>
             <a:endParaRPr lang="en-US"/>
           </a:p>
@@ -3202,7 +3202,7 @@
             <a:fld id="{0A83DA12-03A5-114A-ABAE-78CD6BB6AC19}" type="datetime1">
               <a:rPr lang="en-US" smtClean="0"/>
               <a:pPr/>
-              <a:t>11/12/2025</a:t>
+              <a:t>11/18/2025</a:t>
             </a:fld>
             <a:endParaRPr lang="en-US"/>
           </a:p>
@@ -3534,7 +3534,7 @@
             <a:fld id="{1FFF386F-14E4-954A-9EC2-E277FFD66D49}" type="datetime1">
               <a:rPr lang="en-US" smtClean="0"/>
               <a:pPr/>
-              <a:t>11/12/2025</a:t>
+              <a:t>11/18/2025</a:t>
             </a:fld>
             <a:endParaRPr lang="en-US"/>
           </a:p>
@@ -4004,7 +4004,7 @@
             <a:fld id="{D8FFCF06-3344-8345-BEA6-DDAEFCC6ECCE}" type="datetime1">
               <a:rPr lang="en-US" smtClean="0"/>
               <a:pPr/>
-              <a:t>11/12/2025</a:t>
+              <a:t>11/18/2025</a:t>
             </a:fld>
             <a:endParaRPr lang="en-US"/>
           </a:p>
@@ -4147,7 +4147,7 @@
             <a:fld id="{84C6D879-35D4-554E-9D6D-93E8130AA922}" type="datetime1">
               <a:rPr lang="en-US" smtClean="0"/>
               <a:pPr/>
-              <a:t>11/12/2025</a:t>
+              <a:t>11/18/2025</a:t>
             </a:fld>
             <a:endParaRPr lang="en-US"/>
           </a:p>
@@ -4457,7 +4457,7 @@
             <a:fld id="{AB182AE3-760A-8E44-AB65-03A533386DFC}" type="datetime1">
               <a:rPr lang="en-US" smtClean="0"/>
               <a:pPr/>
-              <a:t>11/12/2025</a:t>
+              <a:t>11/18/2025</a:t>
             </a:fld>
             <a:endParaRPr lang="en-US"/>
           </a:p>
@@ -4713,7 +4713,7 @@
           <a:p>
             <a:fld id="{D98C176C-065F-124D-AAA4-94F2B7A2EC7C}" type="datetime1">
               <a:rPr lang="en-US" smtClean="0"/>
-              <a:t>11/12/2025</a:t>
+              <a:t>11/18/2025</a:t>
             </a:fld>
             <a:endParaRPr lang="en-US" dirty="0"/>
           </a:p>
@@ -6351,7 +6351,7 @@
         <p:spPr>
           <a:xfrm>
             <a:off x="491127" y="1109731"/>
-            <a:ext cx="8116511" cy="3417730"/>
+            <a:ext cx="8116511" cy="3398494"/>
           </a:xfrm>
           <a:prstGeom prst="rect">
             <a:avLst/>
@@ -6552,14 +6552,17 @@
           <a:p>
             <a:pPr marL="342900" indent="-342900" algn="just">
               <a:lnSpc>
-                <a:spcPts val="2200"/>
+                <a:spcPts val="2000"/>
               </a:lnSpc>
               <a:buAutoNum type="arabicPeriod"/>
             </a:pPr>
-            <a:endParaRPr lang="en-US" sz="1200" dirty="0">
-              <a:latin typeface="Times New Roman" panose="02020603050405020304" pitchFamily="18" charset="0"/>
-              <a:cs typeface="Times New Roman" panose="02020603050405020304" pitchFamily="18" charset="0"/>
-            </a:endParaRPr>
+            <a:r>
+              <a:rPr lang="en-US" sz="1200" b="1" dirty="0">
+                <a:latin typeface="Times New Roman" panose="02020603050405020304" pitchFamily="18" charset="0"/>
+                <a:cs typeface="Times New Roman" panose="02020603050405020304" pitchFamily="18" charset="0"/>
+              </a:rPr>
+              <a:t>Check if we have goblet cells in training data</a:t>
+            </a:r>
           </a:p>
         </p:txBody>
       </p:sp>
@@ -7238,6 +7241,67 @@
                                           <p:spTgt spid="2">
                                             <p:txEl>
                                               <p:pRg st="10" end="10"/>
+                                            </p:txEl>
+                                          </p:spTgt>
+                                        </p:tgtEl>
+                                      </p:cBhvr>
+                                    </p:animEffect>
+                                  </p:childTnLst>
+                                </p:cTn>
+                              </p:par>
+                            </p:childTnLst>
+                          </p:cTn>
+                        </p:par>
+                      </p:childTnLst>
+                    </p:cTn>
+                  </p:par>
+                  <p:par>
+                    <p:cTn id="58" fill="hold">
+                      <p:stCondLst>
+                        <p:cond delay="indefinite"/>
+                      </p:stCondLst>
+                      <p:childTnLst>
+                        <p:par>
+                          <p:cTn id="59" fill="hold">
+                            <p:stCondLst>
+                              <p:cond delay="0"/>
+                            </p:stCondLst>
+                            <p:childTnLst>
+                              <p:par>
+                                <p:cTn id="60" presetID="10" presetClass="entr" presetSubtype="0" fill="hold" nodeType="clickEffect">
+                                  <p:stCondLst>
+                                    <p:cond delay="0"/>
+                                  </p:stCondLst>
+                                  <p:childTnLst>
+                                    <p:set>
+                                      <p:cBhvr>
+                                        <p:cTn id="61" dur="1" fill="hold">
+                                          <p:stCondLst>
+                                            <p:cond delay="0"/>
+                                          </p:stCondLst>
+                                        </p:cTn>
+                                        <p:tgtEl>
+                                          <p:spTgt spid="2">
+                                            <p:txEl>
+                                              <p:pRg st="11" end="11"/>
+                                            </p:txEl>
+                                          </p:spTgt>
+                                        </p:tgtEl>
+                                        <p:attrNameLst>
+                                          <p:attrName>style.visibility</p:attrName>
+                                        </p:attrNameLst>
+                                      </p:cBhvr>
+                                      <p:to>
+                                        <p:strVal val="visible"/>
+                                      </p:to>
+                                    </p:set>
+                                    <p:animEffect transition="in" filter="fade">
+                                      <p:cBhvr>
+                                        <p:cTn id="62" dur="500"/>
+                                        <p:tgtEl>
+                                          <p:spTgt spid="2">
+                                            <p:txEl>
+                                              <p:pRg st="11" end="11"/>
                                             </p:txEl>
                                           </p:spTgt>
                                         </p:tgtEl>
